--- a/Prometheus知识/Prometheus.pptx
+++ b/Prometheus知识/Prometheus.pptx
@@ -11,6 +11,9 @@
     <p:sldId id="259" r:id="rId5"/>
     <p:sldId id="260" r:id="rId6"/>
     <p:sldId id="261" r:id="rId7"/>
+    <p:sldId id="262" r:id="rId8"/>
+    <p:sldId id="263" r:id="rId9"/>
+    <p:sldId id="264" r:id="rId10"/>
   </p:sldIdLst>
   <p:sldSz cx="9144000" cy="6858000" type="screen4x3"/>
   <p:notesSz cx="6858000" cy="9144000"/>
@@ -293,7 +296,7 @@
           <a:p>
             <a:fld id="{530820CF-B880-4189-942D-D702A7CBA730}" type="datetimeFigureOut">
               <a:rPr lang="zh-CN" altLang="en-US" smtClean="0"/>
-              <a:t>2019/9/15</a:t>
+              <a:t>2019/9/17</a:t>
             </a:fld>
             <a:endParaRPr lang="zh-CN" altLang="en-US"/>
           </a:p>
@@ -458,7 +461,7 @@
           <a:p>
             <a:fld id="{530820CF-B880-4189-942D-D702A7CBA730}" type="datetimeFigureOut">
               <a:rPr lang="zh-CN" altLang="en-US" smtClean="0"/>
-              <a:t>2019/9/15</a:t>
+              <a:t>2019/9/17</a:t>
             </a:fld>
             <a:endParaRPr lang="zh-CN" altLang="en-US"/>
           </a:p>
@@ -633,7 +636,7 @@
           <a:p>
             <a:fld id="{530820CF-B880-4189-942D-D702A7CBA730}" type="datetimeFigureOut">
               <a:rPr lang="zh-CN" altLang="en-US" smtClean="0"/>
-              <a:t>2019/9/15</a:t>
+              <a:t>2019/9/17</a:t>
             </a:fld>
             <a:endParaRPr lang="zh-CN" altLang="en-US"/>
           </a:p>
@@ -798,7 +801,7 @@
           <a:p>
             <a:fld id="{530820CF-B880-4189-942D-D702A7CBA730}" type="datetimeFigureOut">
               <a:rPr lang="zh-CN" altLang="en-US" smtClean="0"/>
-              <a:t>2019/9/15</a:t>
+              <a:t>2019/9/17</a:t>
             </a:fld>
             <a:endParaRPr lang="zh-CN" altLang="en-US"/>
           </a:p>
@@ -1039,7 +1042,7 @@
           <a:p>
             <a:fld id="{530820CF-B880-4189-942D-D702A7CBA730}" type="datetimeFigureOut">
               <a:rPr lang="zh-CN" altLang="en-US" smtClean="0"/>
-              <a:t>2019/9/15</a:t>
+              <a:t>2019/9/17</a:t>
             </a:fld>
             <a:endParaRPr lang="zh-CN" altLang="en-US"/>
           </a:p>
@@ -1322,7 +1325,7 @@
           <a:p>
             <a:fld id="{530820CF-B880-4189-942D-D702A7CBA730}" type="datetimeFigureOut">
               <a:rPr lang="zh-CN" altLang="en-US" smtClean="0"/>
-              <a:t>2019/9/15</a:t>
+              <a:t>2019/9/17</a:t>
             </a:fld>
             <a:endParaRPr lang="zh-CN" altLang="en-US"/>
           </a:p>
@@ -1739,7 +1742,7 @@
           <a:p>
             <a:fld id="{530820CF-B880-4189-942D-D702A7CBA730}" type="datetimeFigureOut">
               <a:rPr lang="zh-CN" altLang="en-US" smtClean="0"/>
-              <a:t>2019/9/15</a:t>
+              <a:t>2019/9/17</a:t>
             </a:fld>
             <a:endParaRPr lang="zh-CN" altLang="en-US"/>
           </a:p>
@@ -1852,7 +1855,7 @@
           <a:p>
             <a:fld id="{530820CF-B880-4189-942D-D702A7CBA730}" type="datetimeFigureOut">
               <a:rPr lang="zh-CN" altLang="en-US" smtClean="0"/>
-              <a:t>2019/9/15</a:t>
+              <a:t>2019/9/17</a:t>
             </a:fld>
             <a:endParaRPr lang="zh-CN" altLang="en-US"/>
           </a:p>
@@ -1942,7 +1945,7 @@
           <a:p>
             <a:fld id="{530820CF-B880-4189-942D-D702A7CBA730}" type="datetimeFigureOut">
               <a:rPr lang="zh-CN" altLang="en-US" smtClean="0"/>
-              <a:t>2019/9/15</a:t>
+              <a:t>2019/9/17</a:t>
             </a:fld>
             <a:endParaRPr lang="zh-CN" altLang="en-US"/>
           </a:p>
@@ -2214,7 +2217,7 @@
           <a:p>
             <a:fld id="{530820CF-B880-4189-942D-D702A7CBA730}" type="datetimeFigureOut">
               <a:rPr lang="zh-CN" altLang="en-US" smtClean="0"/>
-              <a:t>2019/9/15</a:t>
+              <a:t>2019/9/17</a:t>
             </a:fld>
             <a:endParaRPr lang="zh-CN" altLang="en-US"/>
           </a:p>
@@ -2462,7 +2465,7 @@
           <a:p>
             <a:fld id="{530820CF-B880-4189-942D-D702A7CBA730}" type="datetimeFigureOut">
               <a:rPr lang="zh-CN" altLang="en-US" smtClean="0"/>
-              <a:t>2019/9/15</a:t>
+              <a:t>2019/9/17</a:t>
             </a:fld>
             <a:endParaRPr lang="zh-CN" altLang="en-US"/>
           </a:p>
@@ -2677,7 +2680,7 @@
           <a:p>
             <a:fld id="{530820CF-B880-4189-942D-D702A7CBA730}" type="datetimeFigureOut">
               <a:rPr lang="zh-CN" altLang="en-US" smtClean="0"/>
-              <a:t>2019/9/15</a:t>
+              <a:t>2019/9/17</a:t>
             </a:fld>
             <a:endParaRPr lang="zh-CN" altLang="en-US"/>
           </a:p>
@@ -3143,11 +3146,7 @@
           <a:p>
             <a:r>
               <a:rPr lang="zh-CN" altLang="en-US" dirty="0" smtClean="0"/>
-              <a:t>日期</a:t>
-            </a:r>
-            <a:r>
-              <a:rPr lang="zh-CN" altLang="en-US" dirty="0" smtClean="0"/>
-              <a:t>：</a:t>
+              <a:t>日期：</a:t>
             </a:r>
             <a:r>
               <a:rPr lang="en-US" altLang="zh-CN" dirty="0" smtClean="0"/>
@@ -4564,9 +4563,6 @@
               </a:rPr>
               <a:t>的数据模型</a:t>
             </a:r>
-            <a:endParaRPr lang="zh-CN" altLang="en-US" sz="2400" dirty="0">
-              <a:latin typeface="Arial" panose="020B0604020202020204" pitchFamily="34" charset="0"/>
-            </a:endParaRPr>
           </a:p>
         </p:txBody>
       </p:sp>
@@ -5894,11 +5890,7 @@
             </a:r>
             <a:r>
               <a:rPr lang="zh-CN" altLang="en-US" sz="2400" dirty="0"/>
-              <a:t>负责监控数据收集和</a:t>
-            </a:r>
-            <a:r>
-              <a:rPr lang="zh-CN" altLang="en-US" sz="2400" dirty="0"/>
-              <a:t>存储，定期从静态配置的 </a:t>
+              <a:t>负责监控数据收集和存储，定期从静态配置的 </a:t>
             </a:r>
             <a:r>
               <a:rPr lang="en-US" altLang="zh-CN" sz="2400" dirty="0"/>
@@ -6007,7 +5999,6 @@
               <a:rPr lang="zh-CN" altLang="en-US" sz="2400" b="1" dirty="0"/>
               <a:t>组件：</a:t>
             </a:r>
-            <a:endParaRPr lang="zh-CN" altLang="en-US" sz="2400" b="1" dirty="0"/>
           </a:p>
         </p:txBody>
       </p:sp>
@@ -6109,11 +6100,7 @@
             </a:r>
             <a:r>
               <a:rPr lang="zh-CN" altLang="en-US" sz="2400" dirty="0"/>
-              <a:t>：</a:t>
-            </a:r>
-            <a:r>
-              <a:rPr lang="zh-CN" altLang="en-US" sz="2400" dirty="0"/>
-              <a:t>负责根据告警规则进行告警，可集成很多告警</a:t>
+              <a:t>：负责根据告警规则进行告警，可集成很多告警</a:t>
             </a:r>
             <a:r>
               <a:rPr lang="zh-CN" altLang="en-US" sz="2400" dirty="0" smtClean="0"/>
@@ -6314,6 +6301,838 @@
     <p:extLst>
       <p:ext uri="{BB962C8B-B14F-4D97-AF65-F5344CB8AC3E}">
         <p14:creationId xmlns:p14="http://schemas.microsoft.com/office/powerpoint/2010/main" val="2445422606"/>
+      </p:ext>
+    </p:extLst>
+  </p:cSld>
+  <p:clrMapOvr>
+    <a:masterClrMapping/>
+  </p:clrMapOvr>
+  <p:timing>
+    <p:tnLst>
+      <p:par>
+        <p:cTn id="1" dur="indefinite" restart="never" nodeType="tmRoot"/>
+      </p:par>
+    </p:tnLst>
+  </p:timing>
+</p:sld>
+</file>
+
+<file path=ppt/slides/slide7.xml><?xml version="1.0" encoding="utf-8"?>
+<p:sld xmlns:a="http://schemas.openxmlformats.org/drawingml/2006/main" xmlns:r="http://schemas.openxmlformats.org/officeDocument/2006/relationships" xmlns:p="http://schemas.openxmlformats.org/presentationml/2006/main">
+  <p:cSld>
+    <p:spTree>
+      <p:nvGrpSpPr>
+        <p:cNvPr id="1" name=""/>
+        <p:cNvGrpSpPr/>
+        <p:nvPr/>
+      </p:nvGrpSpPr>
+      <p:grpSpPr>
+        <a:xfrm>
+          <a:off x="0" y="0"/>
+          <a:ext cx="0" cy="0"/>
+          <a:chOff x="0" y="0"/>
+          <a:chExt cx="0" cy="0"/>
+        </a:xfrm>
+      </p:grpSpPr>
+      <p:sp>
+        <p:nvSpPr>
+          <p:cNvPr id="6" name="标题 5"/>
+          <p:cNvSpPr txBox="1">
+            <a:spLocks/>
+          </p:cNvSpPr>
+          <p:nvPr/>
+        </p:nvSpPr>
+        <p:spPr>
+          <a:xfrm>
+            <a:off x="323528" y="274638"/>
+            <a:ext cx="8229600" cy="490066"/>
+          </a:xfrm>
+          <a:prstGeom prst="rect">
+            <a:avLst/>
+          </a:prstGeom>
+          <a:solidFill>
+            <a:schemeClr val="tx2">
+              <a:lumMod val="40000"/>
+              <a:lumOff val="60000"/>
+            </a:schemeClr>
+          </a:solidFill>
+        </p:spPr>
+        <p:txBody>
+          <a:bodyPr vert="horz" lIns="91440" tIns="45720" rIns="91440" bIns="45720" rtlCol="0" anchor="ctr">
+            <a:noAutofit/>
+          </a:bodyPr>
+          <a:lstStyle>
+            <a:lvl1pPr algn="ctr" defTabSz="914400" rtl="0" eaLnBrk="1" latinLnBrk="0" hangingPunct="1">
+              <a:spcBef>
+                <a:spcPct val="0"/>
+              </a:spcBef>
+              <a:buNone/>
+              <a:defRPr sz="4400" kern="1200">
+                <a:solidFill>
+                  <a:schemeClr val="tx1"/>
+                </a:solidFill>
+                <a:latin typeface="+mj-lt"/>
+                <a:ea typeface="+mj-ea"/>
+                <a:cs typeface="+mj-cs"/>
+              </a:defRPr>
+            </a:lvl1pPr>
+          </a:lstStyle>
+          <a:p>
+            <a:pPr algn="l"/>
+            <a:r>
+              <a:rPr lang="en-US" altLang="zh-CN" sz="3200" b="1" dirty="0" smtClean="0">
+                <a:latin typeface="+mn-ea"/>
+                <a:ea typeface="+mn-ea"/>
+              </a:rPr>
+              <a:t>Prometheus</a:t>
+            </a:r>
+            <a:r>
+              <a:rPr lang="zh-CN" altLang="en-US" sz="3200" b="1" dirty="0" smtClean="0">
+                <a:latin typeface="+mn-ea"/>
+                <a:ea typeface="+mn-ea"/>
+              </a:rPr>
+              <a:t>架构及组件</a:t>
+            </a:r>
+            <a:endParaRPr lang="zh-CN" altLang="en-US" sz="3200" b="1" dirty="0">
+              <a:latin typeface="+mn-ea"/>
+              <a:ea typeface="+mn-ea"/>
+            </a:endParaRPr>
+          </a:p>
+        </p:txBody>
+      </p:sp>
+      <p:sp>
+        <p:nvSpPr>
+          <p:cNvPr id="3" name="TextBox 2"/>
+          <p:cNvSpPr txBox="1"/>
+          <p:nvPr/>
+        </p:nvSpPr>
+        <p:spPr>
+          <a:xfrm>
+            <a:off x="485574" y="764704"/>
+            <a:ext cx="3034343" cy="461665"/>
+          </a:xfrm>
+          <a:prstGeom prst="rect">
+            <a:avLst/>
+          </a:prstGeom>
+          <a:noFill/>
+        </p:spPr>
+        <p:txBody>
+          <a:bodyPr wrap="square" rtlCol="0">
+            <a:spAutoFit/>
+          </a:bodyPr>
+          <a:lstStyle/>
+          <a:p>
+            <a:r>
+              <a:rPr lang="en-US" altLang="zh-CN" sz="2400" b="1" dirty="0" smtClean="0"/>
+              <a:t>PushGateWay</a:t>
+            </a:r>
+            <a:endParaRPr lang="en-US" altLang="zh-CN" sz="2400" b="1" dirty="0"/>
+          </a:p>
+        </p:txBody>
+      </p:sp>
+      <p:sp>
+        <p:nvSpPr>
+          <p:cNvPr id="9" name="TextBox 8"/>
+          <p:cNvSpPr txBox="1"/>
+          <p:nvPr/>
+        </p:nvSpPr>
+        <p:spPr>
+          <a:xfrm>
+            <a:off x="585900" y="1446695"/>
+            <a:ext cx="7704856" cy="1569660"/>
+          </a:xfrm>
+          <a:prstGeom prst="rect">
+            <a:avLst/>
+          </a:prstGeom>
+          <a:noFill/>
+        </p:spPr>
+        <p:txBody>
+          <a:bodyPr wrap="square" rtlCol="0">
+            <a:spAutoFit/>
+          </a:bodyPr>
+          <a:lstStyle/>
+          <a:p>
+            <a:pPr marL="342900" indent="-342900">
+              <a:buFont typeface="Wingdings" panose="05000000000000000000" pitchFamily="2" charset="2"/>
+              <a:buChar char="Ø"/>
+            </a:pPr>
+            <a:r>
+              <a:rPr lang="en-US" altLang="zh-CN" sz="2400" dirty="0"/>
+              <a:t>Prometheus </a:t>
+            </a:r>
+            <a:r>
+              <a:rPr lang="zh-CN" altLang="en-US" sz="2400" dirty="0"/>
+              <a:t>采用 </a:t>
+            </a:r>
+            <a:r>
+              <a:rPr lang="en-US" altLang="zh-CN" sz="2400" dirty="0"/>
+              <a:t>pull </a:t>
+            </a:r>
+            <a:r>
+              <a:rPr lang="zh-CN" altLang="en-US" sz="2400" dirty="0"/>
+              <a:t>模式，可能由于不在一个子网或者防火墙原因，导致 </a:t>
+            </a:r>
+            <a:r>
+              <a:rPr lang="en-US" altLang="zh-CN" sz="2400" dirty="0"/>
+              <a:t>Prometheus </a:t>
+            </a:r>
+            <a:r>
+              <a:rPr lang="zh-CN" altLang="en-US" sz="2400" dirty="0"/>
+              <a:t>无法直接拉取各个 </a:t>
+            </a:r>
+            <a:r>
+              <a:rPr lang="en-US" altLang="zh-CN" sz="2400" dirty="0"/>
+              <a:t>target </a:t>
+            </a:r>
+            <a:r>
+              <a:rPr lang="zh-CN" altLang="en-US" sz="2400" dirty="0"/>
+              <a:t>数据。在监控业务数据的时候，需要将不同数据汇总</a:t>
+            </a:r>
+            <a:r>
+              <a:rPr lang="en-US" altLang="zh-CN" sz="2400" dirty="0"/>
+              <a:t>, </a:t>
+            </a:r>
+            <a:r>
+              <a:rPr lang="zh-CN" altLang="en-US" sz="2400" dirty="0"/>
+              <a:t>由 </a:t>
+            </a:r>
+            <a:r>
+              <a:rPr lang="en-US" altLang="zh-CN" sz="2400" dirty="0"/>
+              <a:t>Prometheus </a:t>
+            </a:r>
+            <a:r>
+              <a:rPr lang="zh-CN" altLang="en-US" sz="2400" dirty="0"/>
+              <a:t>统一</a:t>
+            </a:r>
+            <a:r>
+              <a:rPr lang="zh-CN" altLang="en-US" sz="2400" dirty="0" smtClean="0"/>
+              <a:t>收集</a:t>
+            </a:r>
+            <a:r>
+              <a:rPr lang="zh-CN" altLang="en-US" sz="2400" dirty="0" smtClean="0"/>
+              <a:t>。</a:t>
+            </a:r>
+            <a:endParaRPr lang="zh-CN" altLang="en-US" sz="2400" dirty="0"/>
+          </a:p>
+        </p:txBody>
+      </p:sp>
+      <p:sp>
+        <p:nvSpPr>
+          <p:cNvPr id="10" name="TextBox 9"/>
+          <p:cNvSpPr txBox="1"/>
+          <p:nvPr/>
+        </p:nvSpPr>
+        <p:spPr>
+          <a:xfrm>
+            <a:off x="755576" y="3429000"/>
+            <a:ext cx="6912768" cy="2585323"/>
+          </a:xfrm>
+          <a:prstGeom prst="rect">
+            <a:avLst/>
+          </a:prstGeom>
+          <a:noFill/>
+        </p:spPr>
+        <p:txBody>
+          <a:bodyPr wrap="square" rtlCol="0">
+            <a:spAutoFit/>
+          </a:bodyPr>
+          <a:lstStyle/>
+          <a:p>
+            <a:pPr marL="342900" indent="-342900">
+              <a:buFont typeface="Wingdings" panose="05000000000000000000" pitchFamily="2" charset="2"/>
+              <a:buChar char="Ø"/>
+            </a:pPr>
+            <a:r>
+              <a:rPr lang="en-US" altLang="zh-CN" sz="2400" dirty="0"/>
+              <a:t>Prometheus</a:t>
+            </a:r>
+            <a:r>
+              <a:rPr lang="zh-CN" altLang="en-US" sz="2400" dirty="0"/>
+              <a:t>采集数据是用的</a:t>
+            </a:r>
+            <a:r>
+              <a:rPr lang="en-US" altLang="zh-CN" sz="2400" dirty="0"/>
+              <a:t>pull</a:t>
+            </a:r>
+            <a:r>
+              <a:rPr lang="zh-CN" altLang="en-US" sz="2400" dirty="0"/>
+              <a:t>也就是拉模型</a:t>
+            </a:r>
+            <a:r>
+              <a:rPr lang="zh-CN" altLang="en-US" sz="2400" dirty="0" smtClean="0"/>
+              <a:t>，需要定时拉取。</a:t>
+            </a:r>
+            <a:r>
+              <a:rPr lang="zh-CN" altLang="en-US" sz="2400" dirty="0"/>
+              <a:t>但是有些数据并不适合采用这样的方式，对这样的数据可以使用</a:t>
+            </a:r>
+            <a:r>
+              <a:rPr lang="en-US" altLang="zh-CN" sz="2400" dirty="0"/>
+              <a:t>Push Gateway</a:t>
+            </a:r>
+            <a:r>
+              <a:rPr lang="zh-CN" altLang="en-US" sz="2400" dirty="0"/>
+              <a:t>服务。它就相当于一个缓存，当数据采集完成之后，就上传到这里，由</a:t>
+            </a:r>
+            <a:r>
+              <a:rPr lang="en-US" altLang="zh-CN" sz="2400" dirty="0"/>
+              <a:t>Prometheus</a:t>
+            </a:r>
+            <a:r>
+              <a:rPr lang="zh-CN" altLang="en-US" sz="2400" dirty="0"/>
+              <a:t>稍后再</a:t>
+            </a:r>
+            <a:r>
+              <a:rPr lang="en-US" altLang="zh-CN" sz="2400" dirty="0"/>
+              <a:t>pull</a:t>
+            </a:r>
+            <a:r>
+              <a:rPr lang="zh-CN" altLang="en-US" sz="2400" dirty="0" smtClean="0"/>
+              <a:t>过来。</a:t>
+            </a:r>
+            <a:endParaRPr lang="zh-CN" altLang="en-US" sz="2400" dirty="0"/>
+          </a:p>
+          <a:p>
+            <a:endParaRPr lang="zh-CN" altLang="en-US" dirty="0"/>
+          </a:p>
+        </p:txBody>
+      </p:sp>
+    </p:spTree>
+    <p:extLst>
+      <p:ext uri="{BB962C8B-B14F-4D97-AF65-F5344CB8AC3E}">
+        <p14:creationId xmlns:p14="http://schemas.microsoft.com/office/powerpoint/2010/main" val="2066067435"/>
+      </p:ext>
+    </p:extLst>
+  </p:cSld>
+  <p:clrMapOvr>
+    <a:masterClrMapping/>
+  </p:clrMapOvr>
+  <p:timing>
+    <p:tnLst>
+      <p:par>
+        <p:cTn id="1" dur="indefinite" restart="never" nodeType="tmRoot"/>
+      </p:par>
+    </p:tnLst>
+  </p:timing>
+</p:sld>
+</file>
+
+<file path=ppt/slides/slide8.xml><?xml version="1.0" encoding="utf-8"?>
+<p:sld xmlns:a="http://schemas.openxmlformats.org/drawingml/2006/main" xmlns:r="http://schemas.openxmlformats.org/officeDocument/2006/relationships" xmlns:p="http://schemas.openxmlformats.org/presentationml/2006/main">
+  <p:cSld>
+    <p:spTree>
+      <p:nvGrpSpPr>
+        <p:cNvPr id="1" name=""/>
+        <p:cNvGrpSpPr/>
+        <p:nvPr/>
+      </p:nvGrpSpPr>
+      <p:grpSpPr>
+        <a:xfrm>
+          <a:off x="0" y="0"/>
+          <a:ext cx="0" cy="0"/>
+          <a:chOff x="0" y="0"/>
+          <a:chExt cx="0" cy="0"/>
+        </a:xfrm>
+      </p:grpSpPr>
+      <p:sp>
+        <p:nvSpPr>
+          <p:cNvPr id="6" name="标题 5"/>
+          <p:cNvSpPr txBox="1">
+            <a:spLocks/>
+          </p:cNvSpPr>
+          <p:nvPr/>
+        </p:nvSpPr>
+        <p:spPr>
+          <a:xfrm>
+            <a:off x="323528" y="274638"/>
+            <a:ext cx="8229600" cy="490066"/>
+          </a:xfrm>
+          <a:prstGeom prst="rect">
+            <a:avLst/>
+          </a:prstGeom>
+          <a:solidFill>
+            <a:schemeClr val="tx2">
+              <a:lumMod val="40000"/>
+              <a:lumOff val="60000"/>
+            </a:schemeClr>
+          </a:solidFill>
+        </p:spPr>
+        <p:txBody>
+          <a:bodyPr vert="horz" lIns="91440" tIns="45720" rIns="91440" bIns="45720" rtlCol="0" anchor="ctr">
+            <a:noAutofit/>
+          </a:bodyPr>
+          <a:lstStyle>
+            <a:lvl1pPr algn="ctr" defTabSz="914400" rtl="0" eaLnBrk="1" latinLnBrk="0" hangingPunct="1">
+              <a:spcBef>
+                <a:spcPct val="0"/>
+              </a:spcBef>
+              <a:buNone/>
+              <a:defRPr sz="4400" kern="1200">
+                <a:solidFill>
+                  <a:schemeClr val="tx1"/>
+                </a:solidFill>
+                <a:latin typeface="+mj-lt"/>
+                <a:ea typeface="+mj-ea"/>
+                <a:cs typeface="+mj-cs"/>
+              </a:defRPr>
+            </a:lvl1pPr>
+          </a:lstStyle>
+          <a:p>
+            <a:pPr algn="l"/>
+            <a:r>
+              <a:rPr lang="en-US" altLang="zh-CN" sz="3200" b="1" dirty="0" smtClean="0">
+                <a:latin typeface="+mn-ea"/>
+                <a:ea typeface="+mn-ea"/>
+              </a:rPr>
+              <a:t>Prometheus</a:t>
+            </a:r>
+            <a:r>
+              <a:rPr lang="zh-CN" altLang="en-US" sz="3200" b="1" dirty="0" smtClean="0">
+                <a:latin typeface="+mn-ea"/>
+                <a:ea typeface="+mn-ea"/>
+              </a:rPr>
+              <a:t>数据模型</a:t>
+            </a:r>
+            <a:endParaRPr lang="zh-CN" altLang="en-US" sz="3200" b="1" dirty="0">
+              <a:latin typeface="+mn-ea"/>
+              <a:ea typeface="+mn-ea"/>
+            </a:endParaRPr>
+          </a:p>
+        </p:txBody>
+      </p:sp>
+      <p:sp>
+        <p:nvSpPr>
+          <p:cNvPr id="9" name="TextBox 8"/>
+          <p:cNvSpPr txBox="1"/>
+          <p:nvPr/>
+        </p:nvSpPr>
+        <p:spPr>
+          <a:xfrm>
+            <a:off x="585900" y="1446695"/>
+            <a:ext cx="7704856" cy="1200329"/>
+          </a:xfrm>
+          <a:prstGeom prst="rect">
+            <a:avLst/>
+          </a:prstGeom>
+          <a:noFill/>
+        </p:spPr>
+        <p:txBody>
+          <a:bodyPr wrap="square" rtlCol="0">
+            <a:spAutoFit/>
+          </a:bodyPr>
+          <a:lstStyle/>
+          <a:p>
+            <a:pPr marL="342900" indent="-342900">
+              <a:buFont typeface="Wingdings" panose="05000000000000000000" pitchFamily="2" charset="2"/>
+              <a:buChar char="Ø"/>
+            </a:pPr>
+            <a:r>
+              <a:rPr lang="en-US" altLang="zh-CN" sz="2400" dirty="0"/>
+              <a:t>Prometheus </a:t>
+            </a:r>
+            <a:r>
+              <a:rPr lang="zh-CN" altLang="en-US" sz="2400" dirty="0" smtClean="0"/>
+              <a:t>存储的是时序数据，也就是按时间顺序连续存储的数据，每一个时序由</a:t>
+            </a:r>
+            <a:r>
+              <a:rPr lang="en-US" altLang="zh-CN" sz="2400" dirty="0" smtClean="0"/>
+              <a:t>metric</a:t>
+            </a:r>
+            <a:r>
+              <a:rPr lang="zh-CN" altLang="en-US" sz="2400" dirty="0" smtClean="0"/>
+              <a:t>和多个标签共同确定</a:t>
+            </a:r>
+            <a:r>
+              <a:rPr lang="zh-CN" altLang="en-US" sz="2400" dirty="0" smtClean="0"/>
+              <a:t>。</a:t>
+            </a:r>
+            <a:endParaRPr lang="zh-CN" altLang="en-US" sz="2400" dirty="0"/>
+          </a:p>
+        </p:txBody>
+      </p:sp>
+      <p:pic>
+        <p:nvPicPr>
+          <p:cNvPr id="1026" name="Picture 2"/>
+          <p:cNvPicPr>
+            <a:picLocks noChangeAspect="1" noChangeArrowheads="1"/>
+          </p:cNvPicPr>
+          <p:nvPr/>
+        </p:nvPicPr>
+        <p:blipFill>
+          <a:blip r:embed="rId2">
+            <a:extLst>
+              <a:ext uri="{28A0092B-C50C-407E-A947-70E740481C1C}">
+                <a14:useLocalDpi xmlns:a14="http://schemas.microsoft.com/office/drawing/2010/main" val="0"/>
+              </a:ext>
+            </a:extLst>
+          </a:blip>
+          <a:srcRect/>
+          <a:stretch>
+            <a:fillRect/>
+          </a:stretch>
+        </p:blipFill>
+        <p:spPr bwMode="auto">
+          <a:xfrm>
+            <a:off x="682792" y="2780928"/>
+            <a:ext cx="7511071" cy="989831"/>
+          </a:xfrm>
+          <a:prstGeom prst="rect">
+            <a:avLst/>
+          </a:prstGeom>
+          <a:noFill/>
+          <a:ln>
+            <a:noFill/>
+          </a:ln>
+          <a:extLst>
+            <a:ext uri="{909E8E84-426E-40DD-AFC4-6F175D3DCCD1}">
+              <a14:hiddenFill xmlns:a14="http://schemas.microsoft.com/office/drawing/2010/main">
+                <a:solidFill>
+                  <a:schemeClr val="accent1"/>
+                </a:solidFill>
+              </a14:hiddenFill>
+            </a:ext>
+            <a:ext uri="{91240B29-F687-4F45-9708-019B960494DF}">
+              <a14:hiddenLine xmlns:a14="http://schemas.microsoft.com/office/drawing/2010/main" w="9525">
+                <a:solidFill>
+                  <a:schemeClr val="tx1"/>
+                </a:solidFill>
+                <a:miter lim="800000"/>
+                <a:headEnd/>
+                <a:tailEnd/>
+              </a14:hiddenLine>
+            </a:ext>
+          </a:extLst>
+        </p:spPr>
+      </p:pic>
+      <p:pic>
+        <p:nvPicPr>
+          <p:cNvPr id="1027" name="Picture 3"/>
+          <p:cNvPicPr>
+            <a:picLocks noChangeAspect="1" noChangeArrowheads="1"/>
+          </p:cNvPicPr>
+          <p:nvPr/>
+        </p:nvPicPr>
+        <p:blipFill>
+          <a:blip r:embed="rId3">
+            <a:extLst>
+              <a:ext uri="{28A0092B-C50C-407E-A947-70E740481C1C}">
+                <a14:useLocalDpi xmlns:a14="http://schemas.microsoft.com/office/drawing/2010/main" val="0"/>
+              </a:ext>
+            </a:extLst>
+          </a:blip>
+          <a:srcRect/>
+          <a:stretch>
+            <a:fillRect/>
+          </a:stretch>
+        </p:blipFill>
+        <p:spPr bwMode="auto">
+          <a:xfrm>
+            <a:off x="682792" y="3957990"/>
+            <a:ext cx="7201576" cy="992443"/>
+          </a:xfrm>
+          <a:prstGeom prst="rect">
+            <a:avLst/>
+          </a:prstGeom>
+          <a:noFill/>
+          <a:ln>
+            <a:noFill/>
+          </a:ln>
+          <a:extLst>
+            <a:ext uri="{909E8E84-426E-40DD-AFC4-6F175D3DCCD1}">
+              <a14:hiddenFill xmlns:a14="http://schemas.microsoft.com/office/drawing/2010/main">
+                <a:solidFill>
+                  <a:schemeClr val="accent1"/>
+                </a:solidFill>
+              </a14:hiddenFill>
+            </a:ext>
+            <a:ext uri="{91240B29-F687-4F45-9708-019B960494DF}">
+              <a14:hiddenLine xmlns:a14="http://schemas.microsoft.com/office/drawing/2010/main" w="9525">
+                <a:solidFill>
+                  <a:schemeClr val="tx1"/>
+                </a:solidFill>
+                <a:miter lim="800000"/>
+                <a:headEnd/>
+                <a:tailEnd/>
+              </a14:hiddenLine>
+            </a:ext>
+          </a:extLst>
+        </p:spPr>
+      </p:pic>
+      <p:pic>
+        <p:nvPicPr>
+          <p:cNvPr id="1028" name="Picture 4"/>
+          <p:cNvPicPr>
+            <a:picLocks noChangeAspect="1" noChangeArrowheads="1"/>
+          </p:cNvPicPr>
+          <p:nvPr/>
+        </p:nvPicPr>
+        <p:blipFill>
+          <a:blip r:embed="rId4">
+            <a:extLst>
+              <a:ext uri="{28A0092B-C50C-407E-A947-70E740481C1C}">
+                <a14:useLocalDpi xmlns:a14="http://schemas.microsoft.com/office/drawing/2010/main" val="0"/>
+              </a:ext>
+            </a:extLst>
+          </a:blip>
+          <a:srcRect/>
+          <a:stretch>
+            <a:fillRect/>
+          </a:stretch>
+        </p:blipFill>
+        <p:spPr bwMode="auto">
+          <a:xfrm>
+            <a:off x="695616" y="5085184"/>
+            <a:ext cx="7188752" cy="778138"/>
+          </a:xfrm>
+          <a:prstGeom prst="rect">
+            <a:avLst/>
+          </a:prstGeom>
+          <a:noFill/>
+          <a:ln>
+            <a:noFill/>
+          </a:ln>
+          <a:extLst>
+            <a:ext uri="{909E8E84-426E-40DD-AFC4-6F175D3DCCD1}">
+              <a14:hiddenFill xmlns:a14="http://schemas.microsoft.com/office/drawing/2010/main">
+                <a:solidFill>
+                  <a:schemeClr val="accent1"/>
+                </a:solidFill>
+              </a14:hiddenFill>
+            </a:ext>
+            <a:ext uri="{91240B29-F687-4F45-9708-019B960494DF}">
+              <a14:hiddenLine xmlns:a14="http://schemas.microsoft.com/office/drawing/2010/main" w="9525">
+                <a:solidFill>
+                  <a:schemeClr val="tx1"/>
+                </a:solidFill>
+                <a:miter lim="800000"/>
+                <a:headEnd/>
+                <a:tailEnd/>
+              </a14:hiddenLine>
+            </a:ext>
+          </a:extLst>
+        </p:spPr>
+      </p:pic>
+    </p:spTree>
+    <p:extLst>
+      <p:ext uri="{BB962C8B-B14F-4D97-AF65-F5344CB8AC3E}">
+        <p14:creationId xmlns:p14="http://schemas.microsoft.com/office/powerpoint/2010/main" val="2519773557"/>
+      </p:ext>
+    </p:extLst>
+  </p:cSld>
+  <p:clrMapOvr>
+    <a:masterClrMapping/>
+  </p:clrMapOvr>
+  <p:timing>
+    <p:tnLst>
+      <p:par>
+        <p:cTn id="1" dur="indefinite" restart="never" nodeType="tmRoot"/>
+      </p:par>
+    </p:tnLst>
+  </p:timing>
+</p:sld>
+</file>
+
+<file path=ppt/slides/slide9.xml><?xml version="1.0" encoding="utf-8"?>
+<p:sld xmlns:a="http://schemas.openxmlformats.org/drawingml/2006/main" xmlns:r="http://schemas.openxmlformats.org/officeDocument/2006/relationships" xmlns:p="http://schemas.openxmlformats.org/presentationml/2006/main">
+  <p:cSld>
+    <p:spTree>
+      <p:nvGrpSpPr>
+        <p:cNvPr id="1" name=""/>
+        <p:cNvGrpSpPr/>
+        <p:nvPr/>
+      </p:nvGrpSpPr>
+      <p:grpSpPr>
+        <a:xfrm>
+          <a:off x="0" y="0"/>
+          <a:ext cx="0" cy="0"/>
+          <a:chOff x="0" y="0"/>
+          <a:chExt cx="0" cy="0"/>
+        </a:xfrm>
+      </p:grpSpPr>
+      <p:sp>
+        <p:nvSpPr>
+          <p:cNvPr id="6" name="标题 5"/>
+          <p:cNvSpPr txBox="1">
+            <a:spLocks/>
+          </p:cNvSpPr>
+          <p:nvPr/>
+        </p:nvSpPr>
+        <p:spPr>
+          <a:xfrm>
+            <a:off x="323528" y="274638"/>
+            <a:ext cx="8229600" cy="490066"/>
+          </a:xfrm>
+          <a:prstGeom prst="rect">
+            <a:avLst/>
+          </a:prstGeom>
+          <a:solidFill>
+            <a:schemeClr val="tx2">
+              <a:lumMod val="40000"/>
+              <a:lumOff val="60000"/>
+            </a:schemeClr>
+          </a:solidFill>
+        </p:spPr>
+        <p:txBody>
+          <a:bodyPr vert="horz" lIns="91440" tIns="45720" rIns="91440" bIns="45720" rtlCol="0" anchor="ctr">
+            <a:noAutofit/>
+          </a:bodyPr>
+          <a:lstStyle>
+            <a:lvl1pPr algn="ctr" defTabSz="914400" rtl="0" eaLnBrk="1" latinLnBrk="0" hangingPunct="1">
+              <a:spcBef>
+                <a:spcPct val="0"/>
+              </a:spcBef>
+              <a:buNone/>
+              <a:defRPr sz="4400" kern="1200">
+                <a:solidFill>
+                  <a:schemeClr val="tx1"/>
+                </a:solidFill>
+                <a:latin typeface="+mj-lt"/>
+                <a:ea typeface="+mj-ea"/>
+                <a:cs typeface="+mj-cs"/>
+              </a:defRPr>
+            </a:lvl1pPr>
+          </a:lstStyle>
+          <a:p>
+            <a:pPr algn="l"/>
+            <a:r>
+              <a:rPr lang="en-US" altLang="zh-CN" sz="3200" b="1" dirty="0" smtClean="0">
+                <a:latin typeface="+mn-ea"/>
+                <a:ea typeface="+mn-ea"/>
+              </a:rPr>
+              <a:t>Prometheus</a:t>
+            </a:r>
+            <a:r>
+              <a:rPr lang="zh-CN" altLang="en-US" sz="3200" b="1" dirty="0" smtClean="0">
+                <a:latin typeface="+mn-ea"/>
+                <a:ea typeface="+mn-ea"/>
+              </a:rPr>
+              <a:t>数据模型</a:t>
+            </a:r>
+            <a:endParaRPr lang="zh-CN" altLang="en-US" sz="3200" b="1" dirty="0">
+              <a:latin typeface="+mn-ea"/>
+              <a:ea typeface="+mn-ea"/>
+            </a:endParaRPr>
+          </a:p>
+        </p:txBody>
+      </p:sp>
+      <p:sp>
+        <p:nvSpPr>
+          <p:cNvPr id="9" name="TextBox 8"/>
+          <p:cNvSpPr txBox="1"/>
+          <p:nvPr/>
+        </p:nvSpPr>
+        <p:spPr>
+          <a:xfrm>
+            <a:off x="585900" y="1446695"/>
+            <a:ext cx="7704856" cy="1569660"/>
+          </a:xfrm>
+          <a:prstGeom prst="rect">
+            <a:avLst/>
+          </a:prstGeom>
+          <a:noFill/>
+        </p:spPr>
+        <p:txBody>
+          <a:bodyPr wrap="square" rtlCol="0">
+            <a:spAutoFit/>
+          </a:bodyPr>
+          <a:lstStyle/>
+          <a:p>
+            <a:pPr marL="342900" indent="-342900">
+              <a:buFont typeface="Wingdings" panose="05000000000000000000" pitchFamily="2" charset="2"/>
+              <a:buChar char="Ø"/>
+            </a:pPr>
+            <a:r>
+              <a:rPr lang="zh-CN" altLang="en-US" sz="2400" dirty="0"/>
+              <a:t>表示收集的数据是按照某个趋势（增加／减少）一直变化的，我们往往用它记录服务请求总量，错误总数等</a:t>
+            </a:r>
+            <a:r>
+              <a:rPr lang="zh-CN" altLang="en-US" sz="2400" dirty="0" smtClean="0"/>
+              <a:t>。</a:t>
+            </a:r>
+            <a:r>
+              <a:rPr lang="en-US" altLang="zh-CN" sz="2400" dirty="0"/>
+              <a:t>http_requests_total, </a:t>
+            </a:r>
+            <a:r>
+              <a:rPr lang="zh-CN" altLang="en-US" sz="2400" dirty="0"/>
+              <a:t>表示 </a:t>
+            </a:r>
+            <a:r>
+              <a:rPr lang="zh-CN" altLang="en-US" sz="2400" dirty="0" smtClean="0"/>
+              <a:t>某个节点</a:t>
+            </a:r>
+            <a:r>
+              <a:rPr lang="en-US" altLang="zh-CN" sz="2400" dirty="0" smtClean="0"/>
+              <a:t> </a:t>
+            </a:r>
+            <a:r>
+              <a:rPr lang="zh-CN" altLang="en-US" sz="2400" dirty="0"/>
+              <a:t>处理的 </a:t>
+            </a:r>
+            <a:r>
+              <a:rPr lang="en-US" altLang="zh-CN" sz="2400" dirty="0"/>
+              <a:t>http </a:t>
+            </a:r>
+            <a:r>
+              <a:rPr lang="zh-CN" altLang="en-US" sz="2400" dirty="0"/>
+              <a:t>请求总数</a:t>
+            </a:r>
+            <a:r>
+              <a:rPr lang="zh-CN" altLang="en-US" sz="2400" dirty="0" smtClean="0"/>
+              <a:t>，很</a:t>
+            </a:r>
+            <a:r>
+              <a:rPr lang="zh-CN" altLang="en-US" sz="2400" dirty="0"/>
+              <a:t>容易得到任意区间数据的增量</a:t>
+            </a:r>
+            <a:endParaRPr lang="zh-CN" altLang="en-US" sz="2400" dirty="0"/>
+          </a:p>
+        </p:txBody>
+      </p:sp>
+      <p:sp>
+        <p:nvSpPr>
+          <p:cNvPr id="2" name="TextBox 1"/>
+          <p:cNvSpPr txBox="1"/>
+          <p:nvPr/>
+        </p:nvSpPr>
+        <p:spPr>
+          <a:xfrm>
+            <a:off x="585900" y="930303"/>
+            <a:ext cx="2545940" cy="461665"/>
+          </a:xfrm>
+          <a:prstGeom prst="rect">
+            <a:avLst/>
+          </a:prstGeom>
+          <a:noFill/>
+        </p:spPr>
+        <p:txBody>
+          <a:bodyPr wrap="square" rtlCol="0">
+            <a:spAutoFit/>
+          </a:bodyPr>
+          <a:lstStyle/>
+          <a:p>
+            <a:r>
+              <a:rPr lang="en-US" altLang="zh-CN" sz="2400" b="1" dirty="0" smtClean="0">
+                <a:latin typeface="+mn-ea"/>
+              </a:rPr>
+              <a:t>Counter</a:t>
+            </a:r>
+            <a:r>
+              <a:rPr lang="zh-CN" altLang="en-US" sz="2400" b="1" dirty="0" smtClean="0">
+                <a:latin typeface="+mn-ea"/>
+              </a:rPr>
+              <a:t>类型</a:t>
+            </a:r>
+            <a:endParaRPr lang="zh-CN" altLang="en-US" sz="2400" b="1" dirty="0">
+              <a:latin typeface="+mn-ea"/>
+            </a:endParaRPr>
+          </a:p>
+        </p:txBody>
+      </p:sp>
+    </p:spTree>
+    <p:extLst>
+      <p:ext uri="{BB962C8B-B14F-4D97-AF65-F5344CB8AC3E}">
+        <p14:creationId xmlns:p14="http://schemas.microsoft.com/office/powerpoint/2010/main" val="154302204"/>
       </p:ext>
     </p:extLst>
   </p:cSld>

--- a/Prometheus知识/Prometheus.pptx
+++ b/Prometheus知识/Prometheus.pptx
@@ -14,6 +14,8 @@
     <p:sldId id="262" r:id="rId8"/>
     <p:sldId id="263" r:id="rId9"/>
     <p:sldId id="264" r:id="rId10"/>
+    <p:sldId id="265" r:id="rId11"/>
+    <p:sldId id="266" r:id="rId12"/>
   </p:sldIdLst>
   <p:sldSz cx="9144000" cy="6858000" type="screen4x3"/>
   <p:notesSz cx="6858000" cy="9144000"/>
@@ -3189,6 +3191,879 @@
 </p:sld>
 </file>
 
+<file path=ppt/slides/slide10.xml><?xml version="1.0" encoding="utf-8"?>
+<p:sld xmlns:a="http://schemas.openxmlformats.org/drawingml/2006/main" xmlns:r="http://schemas.openxmlformats.org/officeDocument/2006/relationships" xmlns:p="http://schemas.openxmlformats.org/presentationml/2006/main">
+  <p:cSld>
+    <p:spTree>
+      <p:nvGrpSpPr>
+        <p:cNvPr id="1" name=""/>
+        <p:cNvGrpSpPr/>
+        <p:nvPr/>
+      </p:nvGrpSpPr>
+      <p:grpSpPr>
+        <a:xfrm>
+          <a:off x="0" y="0"/>
+          <a:ext cx="0" cy="0"/>
+          <a:chOff x="0" y="0"/>
+          <a:chExt cx="0" cy="0"/>
+        </a:xfrm>
+      </p:grpSpPr>
+      <p:sp>
+        <p:nvSpPr>
+          <p:cNvPr id="6" name="标题 5"/>
+          <p:cNvSpPr txBox="1">
+            <a:spLocks/>
+          </p:cNvSpPr>
+          <p:nvPr/>
+        </p:nvSpPr>
+        <p:spPr>
+          <a:xfrm>
+            <a:off x="323528" y="274638"/>
+            <a:ext cx="8229600" cy="490066"/>
+          </a:xfrm>
+          <a:prstGeom prst="rect">
+            <a:avLst/>
+          </a:prstGeom>
+          <a:solidFill>
+            <a:schemeClr val="tx2">
+              <a:lumMod val="40000"/>
+              <a:lumOff val="60000"/>
+            </a:schemeClr>
+          </a:solidFill>
+        </p:spPr>
+        <p:txBody>
+          <a:bodyPr vert="horz" lIns="91440" tIns="45720" rIns="91440" bIns="45720" rtlCol="0" anchor="ctr">
+            <a:noAutofit/>
+          </a:bodyPr>
+          <a:lstStyle>
+            <a:lvl1pPr algn="ctr" defTabSz="914400" rtl="0" eaLnBrk="1" latinLnBrk="0" hangingPunct="1">
+              <a:spcBef>
+                <a:spcPct val="0"/>
+              </a:spcBef>
+              <a:buNone/>
+              <a:defRPr sz="4400" kern="1200">
+                <a:solidFill>
+                  <a:schemeClr val="tx1"/>
+                </a:solidFill>
+                <a:latin typeface="+mj-lt"/>
+                <a:ea typeface="+mj-ea"/>
+                <a:cs typeface="+mj-cs"/>
+              </a:defRPr>
+            </a:lvl1pPr>
+          </a:lstStyle>
+          <a:p>
+            <a:pPr algn="l"/>
+            <a:r>
+              <a:rPr lang="en-US" altLang="zh-CN" sz="3200" b="1" dirty="0" smtClean="0">
+                <a:latin typeface="+mn-ea"/>
+                <a:ea typeface="+mn-ea"/>
+              </a:rPr>
+              <a:t>Prometheus</a:t>
+            </a:r>
+            <a:r>
+              <a:rPr lang="zh-CN" altLang="en-US" sz="3200" b="1" dirty="0" smtClean="0">
+                <a:latin typeface="+mn-ea"/>
+                <a:ea typeface="+mn-ea"/>
+              </a:rPr>
+              <a:t>使用</a:t>
+            </a:r>
+            <a:endParaRPr lang="zh-CN" altLang="en-US" sz="3200" b="1" dirty="0">
+              <a:latin typeface="+mn-ea"/>
+              <a:ea typeface="+mn-ea"/>
+            </a:endParaRPr>
+          </a:p>
+        </p:txBody>
+      </p:sp>
+      <p:sp>
+        <p:nvSpPr>
+          <p:cNvPr id="9" name="TextBox 8"/>
+          <p:cNvSpPr txBox="1"/>
+          <p:nvPr/>
+        </p:nvSpPr>
+        <p:spPr>
+          <a:xfrm>
+            <a:off x="585900" y="1446695"/>
+            <a:ext cx="7704856" cy="1015663"/>
+          </a:xfrm>
+          <a:prstGeom prst="rect">
+            <a:avLst/>
+          </a:prstGeom>
+          <a:noFill/>
+        </p:spPr>
+        <p:txBody>
+          <a:bodyPr wrap="square" rtlCol="0">
+            <a:spAutoFit/>
+          </a:bodyPr>
+          <a:lstStyle/>
+          <a:p>
+            <a:pPr marL="342900" indent="-342900">
+              <a:buFont typeface="Wingdings" panose="05000000000000000000" pitchFamily="2" charset="2"/>
+              <a:buChar char="Ø"/>
+            </a:pPr>
+            <a:r>
+              <a:rPr lang="zh-CN" altLang="en-US" sz="2000" dirty="0" smtClean="0"/>
+              <a:t>下载安装包：</a:t>
+            </a:r>
+            <a:r>
+              <a:rPr lang="en-US" altLang="zh-CN" sz="2000" dirty="0">
+                <a:hlinkClick r:id="rId2"/>
+              </a:rPr>
+              <a:t>https://prometheus.io/download</a:t>
+            </a:r>
+            <a:r>
+              <a:rPr lang="en-US" altLang="zh-CN" sz="2000" dirty="0" smtClean="0">
+                <a:hlinkClick r:id="rId2"/>
+              </a:rPr>
+              <a:t>/</a:t>
+            </a:r>
+            <a:endParaRPr lang="en-US" altLang="zh-CN" sz="2000" dirty="0" smtClean="0"/>
+          </a:p>
+          <a:p>
+            <a:pPr marL="342900" indent="-342900">
+              <a:buFont typeface="Wingdings" panose="05000000000000000000" pitchFamily="2" charset="2"/>
+              <a:buChar char="Ø"/>
+            </a:pPr>
+            <a:r>
+              <a:rPr lang="zh-CN" altLang="en-US" sz="2000" dirty="0" smtClean="0"/>
+              <a:t>安装：</a:t>
+            </a:r>
+            <a:r>
+              <a:rPr lang="pt-BR" altLang="zh-CN" sz="2000" dirty="0"/>
+              <a:t>tar xvfz prometheus-*.</a:t>
+            </a:r>
+            <a:r>
+              <a:rPr lang="pt-BR" altLang="zh-CN" sz="2000" dirty="0" smtClean="0"/>
+              <a:t>tar.gz</a:t>
+            </a:r>
+          </a:p>
+          <a:p>
+            <a:pPr marL="342900" indent="-342900">
+              <a:buFont typeface="Wingdings" panose="05000000000000000000" pitchFamily="2" charset="2"/>
+              <a:buChar char="Ø"/>
+            </a:pPr>
+            <a:r>
+              <a:rPr lang="zh-CN" altLang="en-US" sz="2000" dirty="0" smtClean="0"/>
+              <a:t>运行：</a:t>
+            </a:r>
+            <a:r>
+              <a:rPr lang="en-US" altLang="zh-CN" sz="2000" dirty="0"/>
+              <a:t>./prometheus --</a:t>
+            </a:r>
+            <a:r>
+              <a:rPr lang="en-US" altLang="zh-CN" sz="2000" dirty="0" err="1"/>
+              <a:t>config.file</a:t>
+            </a:r>
+            <a:r>
+              <a:rPr lang="en-US" altLang="zh-CN" sz="2000" dirty="0"/>
+              <a:t>=</a:t>
+            </a:r>
+            <a:r>
+              <a:rPr lang="en-US" altLang="zh-CN" sz="2000" dirty="0" err="1"/>
+              <a:t>prometheus.yml</a:t>
+            </a:r>
+            <a:endParaRPr lang="zh-CN" altLang="en-US" sz="2000" dirty="0"/>
+          </a:p>
+        </p:txBody>
+      </p:sp>
+      <p:sp>
+        <p:nvSpPr>
+          <p:cNvPr id="2" name="TextBox 1"/>
+          <p:cNvSpPr txBox="1"/>
+          <p:nvPr/>
+        </p:nvSpPr>
+        <p:spPr>
+          <a:xfrm>
+            <a:off x="585900" y="930303"/>
+            <a:ext cx="2545940" cy="461665"/>
+          </a:xfrm>
+          <a:prstGeom prst="rect">
+            <a:avLst/>
+          </a:prstGeom>
+          <a:noFill/>
+        </p:spPr>
+        <p:txBody>
+          <a:bodyPr wrap="square" rtlCol="0">
+            <a:spAutoFit/>
+          </a:bodyPr>
+          <a:lstStyle/>
+          <a:p>
+            <a:r>
+              <a:rPr lang="zh-CN" altLang="en-US" sz="2400" b="1" dirty="0" smtClean="0">
+                <a:latin typeface="+mn-ea"/>
+              </a:rPr>
+              <a:t>安装</a:t>
+            </a:r>
+            <a:endParaRPr lang="zh-CN" altLang="en-US" sz="2400" b="1" dirty="0">
+              <a:latin typeface="+mn-ea"/>
+            </a:endParaRPr>
+          </a:p>
+        </p:txBody>
+      </p:sp>
+      <p:sp>
+        <p:nvSpPr>
+          <p:cNvPr id="5" name="TextBox 4"/>
+          <p:cNvSpPr txBox="1"/>
+          <p:nvPr/>
+        </p:nvSpPr>
+        <p:spPr>
+          <a:xfrm>
+            <a:off x="623841" y="2625883"/>
+            <a:ext cx="2545940" cy="461665"/>
+          </a:xfrm>
+          <a:prstGeom prst="rect">
+            <a:avLst/>
+          </a:prstGeom>
+          <a:noFill/>
+        </p:spPr>
+        <p:txBody>
+          <a:bodyPr wrap="square" rtlCol="0">
+            <a:spAutoFit/>
+          </a:bodyPr>
+          <a:lstStyle/>
+          <a:p>
+            <a:r>
+              <a:rPr lang="zh-CN" altLang="en-US" sz="2400" b="1" dirty="0" smtClean="0">
+                <a:latin typeface="+mn-ea"/>
+              </a:rPr>
+              <a:t>配置文件</a:t>
+            </a:r>
+            <a:endParaRPr lang="zh-CN" altLang="en-US" sz="2400" b="1" dirty="0">
+              <a:latin typeface="+mn-ea"/>
+            </a:endParaRPr>
+          </a:p>
+        </p:txBody>
+      </p:sp>
+      <p:sp>
+        <p:nvSpPr>
+          <p:cNvPr id="7" name="TextBox 6"/>
+          <p:cNvSpPr txBox="1"/>
+          <p:nvPr/>
+        </p:nvSpPr>
+        <p:spPr>
+          <a:xfrm>
+            <a:off x="547619" y="3087548"/>
+            <a:ext cx="7704856" cy="1015663"/>
+          </a:xfrm>
+          <a:prstGeom prst="rect">
+            <a:avLst/>
+          </a:prstGeom>
+          <a:noFill/>
+        </p:spPr>
+        <p:txBody>
+          <a:bodyPr wrap="square" rtlCol="0">
+            <a:spAutoFit/>
+          </a:bodyPr>
+          <a:lstStyle/>
+          <a:p>
+            <a:pPr marL="342900" indent="-342900">
+              <a:buFont typeface="Wingdings" panose="05000000000000000000" pitchFamily="2" charset="2"/>
+              <a:buChar char="Ø"/>
+            </a:pPr>
+            <a:r>
+              <a:rPr lang="en-US" altLang="zh-CN" sz="2000" dirty="0" smtClean="0"/>
+              <a:t>Prometheus.yml</a:t>
+            </a:r>
+            <a:r>
+              <a:rPr lang="zh-CN" altLang="en-US" sz="2000" dirty="0"/>
+              <a:t>文件：配置好的 </a:t>
+            </a:r>
+            <a:r>
+              <a:rPr lang="zh-CN" altLang="en-US" sz="2000" dirty="0" smtClean="0"/>
+              <a:t>监控对象</a:t>
+            </a:r>
+            <a:r>
+              <a:rPr lang="en-US" altLang="zh-CN" sz="2000" dirty="0" smtClean="0"/>
+              <a:t> </a:t>
+            </a:r>
+            <a:r>
+              <a:rPr lang="zh-CN" altLang="en-US" sz="2000" dirty="0"/>
+              <a:t>或者 </a:t>
+            </a:r>
+            <a:r>
+              <a:rPr lang="en-US" altLang="zh-CN" sz="2000" dirty="0"/>
+              <a:t>exporters </a:t>
+            </a:r>
+            <a:r>
+              <a:rPr lang="zh-CN" altLang="en-US" sz="2000" dirty="0"/>
+              <a:t>中拉 </a:t>
+            </a:r>
+            <a:r>
+              <a:rPr lang="en-US" altLang="zh-CN" sz="2000" dirty="0"/>
+              <a:t>metrics</a:t>
+            </a:r>
+            <a:r>
+              <a:rPr lang="zh-CN" altLang="en-US" sz="2000" dirty="0"/>
+              <a:t>，或者接收来自 </a:t>
+            </a:r>
+            <a:r>
+              <a:rPr lang="en-US" altLang="zh-CN" sz="2000" dirty="0"/>
+              <a:t>Pushgateway </a:t>
+            </a:r>
+            <a:r>
+              <a:rPr lang="zh-CN" altLang="en-US" sz="2000" dirty="0"/>
+              <a:t>发过来的 </a:t>
+            </a:r>
+            <a:r>
+              <a:rPr lang="en-US" altLang="zh-CN" sz="2000" dirty="0"/>
+              <a:t>metrics</a:t>
+            </a:r>
+            <a:r>
+              <a:rPr lang="zh-CN" altLang="en-US" sz="2000" dirty="0"/>
+              <a:t>，或者从其他的 </a:t>
+            </a:r>
+            <a:r>
+              <a:rPr lang="en-US" altLang="zh-CN" sz="2000" dirty="0"/>
+              <a:t>Prometheus server </a:t>
+            </a:r>
+            <a:r>
+              <a:rPr lang="zh-CN" altLang="en-US" sz="2000" dirty="0"/>
+              <a:t>中拉 </a:t>
+            </a:r>
+            <a:r>
+              <a:rPr lang="en-US" altLang="zh-CN" sz="2000" dirty="0"/>
+              <a:t>metrics</a:t>
+            </a:r>
+            <a:r>
+              <a:rPr lang="zh-CN" altLang="en-US" sz="2000" dirty="0" smtClean="0"/>
+              <a:t>。</a:t>
+            </a:r>
+            <a:endParaRPr lang="zh-CN" altLang="en-US" sz="2000" dirty="0"/>
+          </a:p>
+        </p:txBody>
+      </p:sp>
+      <p:pic>
+        <p:nvPicPr>
+          <p:cNvPr id="1026" name="Picture 2"/>
+          <p:cNvPicPr>
+            <a:picLocks noChangeAspect="1" noChangeArrowheads="1"/>
+          </p:cNvPicPr>
+          <p:nvPr/>
+        </p:nvPicPr>
+        <p:blipFill>
+          <a:blip r:embed="rId3">
+            <a:extLst>
+              <a:ext uri="{28A0092B-C50C-407E-A947-70E740481C1C}">
+                <a14:useLocalDpi xmlns:a14="http://schemas.microsoft.com/office/drawing/2010/main" val="0"/>
+              </a:ext>
+            </a:extLst>
+          </a:blip>
+          <a:srcRect/>
+          <a:stretch>
+            <a:fillRect/>
+          </a:stretch>
+        </p:blipFill>
+        <p:spPr bwMode="auto">
+          <a:xfrm>
+            <a:off x="624833" y="4108395"/>
+            <a:ext cx="7723187" cy="2362200"/>
+          </a:xfrm>
+          <a:prstGeom prst="rect">
+            <a:avLst/>
+          </a:prstGeom>
+          <a:noFill/>
+          <a:ln>
+            <a:noFill/>
+          </a:ln>
+          <a:extLst>
+            <a:ext uri="{909E8E84-426E-40DD-AFC4-6F175D3DCCD1}">
+              <a14:hiddenFill xmlns:a14="http://schemas.microsoft.com/office/drawing/2010/main">
+                <a:solidFill>
+                  <a:schemeClr val="accent1"/>
+                </a:solidFill>
+              </a14:hiddenFill>
+            </a:ext>
+            <a:ext uri="{91240B29-F687-4F45-9708-019B960494DF}">
+              <a14:hiddenLine xmlns:a14="http://schemas.microsoft.com/office/drawing/2010/main" w="9525">
+                <a:solidFill>
+                  <a:schemeClr val="tx1"/>
+                </a:solidFill>
+                <a:miter lim="800000"/>
+                <a:headEnd/>
+                <a:tailEnd/>
+              </a14:hiddenLine>
+            </a:ext>
+          </a:extLst>
+        </p:spPr>
+      </p:pic>
+    </p:spTree>
+    <p:extLst>
+      <p:ext uri="{BB962C8B-B14F-4D97-AF65-F5344CB8AC3E}">
+        <p14:creationId xmlns:p14="http://schemas.microsoft.com/office/powerpoint/2010/main" val="2849835134"/>
+      </p:ext>
+    </p:extLst>
+  </p:cSld>
+  <p:clrMapOvr>
+    <a:masterClrMapping/>
+  </p:clrMapOvr>
+  <p:timing>
+    <p:tnLst>
+      <p:par>
+        <p:cTn id="1" dur="indefinite" restart="never" nodeType="tmRoot"/>
+      </p:par>
+    </p:tnLst>
+  </p:timing>
+</p:sld>
+</file>
+
+<file path=ppt/slides/slide11.xml><?xml version="1.0" encoding="utf-8"?>
+<p:sld xmlns:a="http://schemas.openxmlformats.org/drawingml/2006/main" xmlns:r="http://schemas.openxmlformats.org/officeDocument/2006/relationships" xmlns:p="http://schemas.openxmlformats.org/presentationml/2006/main">
+  <p:cSld>
+    <p:spTree>
+      <p:nvGrpSpPr>
+        <p:cNvPr id="1" name=""/>
+        <p:cNvGrpSpPr/>
+        <p:nvPr/>
+      </p:nvGrpSpPr>
+      <p:grpSpPr>
+        <a:xfrm>
+          <a:off x="0" y="0"/>
+          <a:ext cx="0" cy="0"/>
+          <a:chOff x="0" y="0"/>
+          <a:chExt cx="0" cy="0"/>
+        </a:xfrm>
+      </p:grpSpPr>
+      <p:sp>
+        <p:nvSpPr>
+          <p:cNvPr id="6" name="标题 5"/>
+          <p:cNvSpPr txBox="1">
+            <a:spLocks/>
+          </p:cNvSpPr>
+          <p:nvPr/>
+        </p:nvSpPr>
+        <p:spPr>
+          <a:xfrm>
+            <a:off x="323528" y="274638"/>
+            <a:ext cx="8229600" cy="490066"/>
+          </a:xfrm>
+          <a:prstGeom prst="rect">
+            <a:avLst/>
+          </a:prstGeom>
+          <a:solidFill>
+            <a:schemeClr val="tx2">
+              <a:lumMod val="40000"/>
+              <a:lumOff val="60000"/>
+            </a:schemeClr>
+          </a:solidFill>
+        </p:spPr>
+        <p:txBody>
+          <a:bodyPr vert="horz" lIns="91440" tIns="45720" rIns="91440" bIns="45720" rtlCol="0" anchor="ctr">
+            <a:noAutofit/>
+          </a:bodyPr>
+          <a:lstStyle>
+            <a:lvl1pPr algn="ctr" defTabSz="914400" rtl="0" eaLnBrk="1" latinLnBrk="0" hangingPunct="1">
+              <a:spcBef>
+                <a:spcPct val="0"/>
+              </a:spcBef>
+              <a:buNone/>
+              <a:defRPr sz="4400" kern="1200">
+                <a:solidFill>
+                  <a:schemeClr val="tx1"/>
+                </a:solidFill>
+                <a:latin typeface="+mj-lt"/>
+                <a:ea typeface="+mj-ea"/>
+                <a:cs typeface="+mj-cs"/>
+              </a:defRPr>
+            </a:lvl1pPr>
+          </a:lstStyle>
+          <a:p>
+            <a:pPr algn="l"/>
+            <a:r>
+              <a:rPr lang="en-US" altLang="zh-CN" sz="3200" b="1" dirty="0" smtClean="0">
+                <a:latin typeface="+mn-ea"/>
+                <a:ea typeface="+mn-ea"/>
+              </a:rPr>
+              <a:t>Prometheus</a:t>
+            </a:r>
+            <a:r>
+              <a:rPr lang="zh-CN" altLang="en-US" sz="3200" b="1" dirty="0" smtClean="0">
+                <a:latin typeface="+mn-ea"/>
+                <a:ea typeface="+mn-ea"/>
+              </a:rPr>
+              <a:t>使用</a:t>
+            </a:r>
+            <a:endParaRPr lang="zh-CN" altLang="en-US" sz="3200" b="1" dirty="0">
+              <a:latin typeface="+mn-ea"/>
+              <a:ea typeface="+mn-ea"/>
+            </a:endParaRPr>
+          </a:p>
+        </p:txBody>
+      </p:sp>
+      <p:sp>
+        <p:nvSpPr>
+          <p:cNvPr id="2" name="TextBox 1"/>
+          <p:cNvSpPr txBox="1"/>
+          <p:nvPr/>
+        </p:nvSpPr>
+        <p:spPr>
+          <a:xfrm>
+            <a:off x="585900" y="930303"/>
+            <a:ext cx="2545940" cy="461665"/>
+          </a:xfrm>
+          <a:prstGeom prst="rect">
+            <a:avLst/>
+          </a:prstGeom>
+          <a:noFill/>
+        </p:spPr>
+        <p:txBody>
+          <a:bodyPr wrap="square" rtlCol="0">
+            <a:spAutoFit/>
+          </a:bodyPr>
+          <a:lstStyle/>
+          <a:p>
+            <a:r>
+              <a:rPr lang="zh-CN" altLang="en-US" sz="2400" b="1" dirty="0">
+                <a:latin typeface="+mn-ea"/>
+              </a:rPr>
+              <a:t>演示</a:t>
+            </a:r>
+            <a:endParaRPr lang="zh-CN" altLang="en-US" sz="2400" b="1" dirty="0">
+              <a:latin typeface="+mn-ea"/>
+            </a:endParaRPr>
+          </a:p>
+        </p:txBody>
+      </p:sp>
+      <p:sp>
+        <p:nvSpPr>
+          <p:cNvPr id="7" name="TextBox 6"/>
+          <p:cNvSpPr txBox="1"/>
+          <p:nvPr/>
+        </p:nvSpPr>
+        <p:spPr>
+          <a:xfrm>
+            <a:off x="683568" y="1418816"/>
+            <a:ext cx="7704856" cy="400110"/>
+          </a:xfrm>
+          <a:prstGeom prst="rect">
+            <a:avLst/>
+          </a:prstGeom>
+          <a:noFill/>
+        </p:spPr>
+        <p:txBody>
+          <a:bodyPr wrap="square" rtlCol="0">
+            <a:spAutoFit/>
+          </a:bodyPr>
+          <a:lstStyle/>
+          <a:p>
+            <a:pPr marL="342900" indent="-342900">
+              <a:buFont typeface="Wingdings" panose="05000000000000000000" pitchFamily="2" charset="2"/>
+              <a:buChar char="Ø"/>
+            </a:pPr>
+            <a:r>
+              <a:rPr lang="zh-CN" altLang="en-US" sz="2000" dirty="0" smtClean="0"/>
+              <a:t>自身的监控，以及自带图像界面的使用。</a:t>
+            </a:r>
+            <a:endParaRPr lang="zh-CN" altLang="en-US" sz="2000" dirty="0"/>
+          </a:p>
+        </p:txBody>
+      </p:sp>
+      <p:sp>
+        <p:nvSpPr>
+          <p:cNvPr id="8" name="TextBox 7"/>
+          <p:cNvSpPr txBox="1"/>
+          <p:nvPr/>
+        </p:nvSpPr>
+        <p:spPr>
+          <a:xfrm>
+            <a:off x="693540" y="2852936"/>
+            <a:ext cx="7704856" cy="400110"/>
+          </a:xfrm>
+          <a:prstGeom prst="rect">
+            <a:avLst/>
+          </a:prstGeom>
+          <a:noFill/>
+        </p:spPr>
+        <p:txBody>
+          <a:bodyPr wrap="square" rtlCol="0">
+            <a:spAutoFit/>
+          </a:bodyPr>
+          <a:lstStyle/>
+          <a:p>
+            <a:pPr marL="342900" indent="-342900">
+              <a:buFont typeface="Wingdings" panose="05000000000000000000" pitchFamily="2" charset="2"/>
+              <a:buChar char="Ø"/>
+            </a:pPr>
+            <a:r>
+              <a:rPr lang="zh-CN" altLang="en-US" sz="2000" dirty="0" smtClean="0"/>
+              <a:t>外部</a:t>
+            </a:r>
+            <a:r>
+              <a:rPr lang="en-US" altLang="zh-CN" sz="2000" dirty="0" smtClean="0"/>
+              <a:t>Exporter</a:t>
+            </a:r>
+            <a:r>
+              <a:rPr lang="zh-CN" altLang="en-US" sz="2000" dirty="0" smtClean="0"/>
+              <a:t>中</a:t>
+            </a:r>
+            <a:r>
+              <a:rPr lang="en-US" altLang="zh-CN" sz="2000" dirty="0" smtClean="0"/>
+              <a:t>pull</a:t>
+            </a:r>
+            <a:r>
+              <a:rPr lang="zh-CN" altLang="en-US" sz="2000" dirty="0" smtClean="0"/>
+              <a:t>监控数据。</a:t>
+            </a:r>
+            <a:endParaRPr lang="zh-CN" altLang="en-US" sz="2000" dirty="0"/>
+          </a:p>
+        </p:txBody>
+      </p:sp>
+      <p:sp>
+        <p:nvSpPr>
+          <p:cNvPr id="10" name="TextBox 9"/>
+          <p:cNvSpPr txBox="1"/>
+          <p:nvPr/>
+        </p:nvSpPr>
+        <p:spPr>
+          <a:xfrm>
+            <a:off x="728316" y="3501008"/>
+            <a:ext cx="7704856" cy="400110"/>
+          </a:xfrm>
+          <a:prstGeom prst="rect">
+            <a:avLst/>
+          </a:prstGeom>
+          <a:noFill/>
+        </p:spPr>
+        <p:txBody>
+          <a:bodyPr wrap="square" rtlCol="0">
+            <a:spAutoFit/>
+          </a:bodyPr>
+          <a:lstStyle/>
+          <a:p>
+            <a:pPr marL="342900" indent="-342900">
+              <a:buFont typeface="Wingdings" panose="05000000000000000000" pitchFamily="2" charset="2"/>
+              <a:buChar char="Ø"/>
+            </a:pPr>
+            <a:r>
+              <a:rPr lang="zh-CN" altLang="en-US" sz="2000" dirty="0" smtClean="0"/>
+              <a:t>接收</a:t>
+            </a:r>
+            <a:r>
+              <a:rPr lang="en-US" altLang="zh-CN" sz="2000" dirty="0" smtClean="0"/>
+              <a:t>PushGateWay</a:t>
+            </a:r>
+            <a:r>
+              <a:rPr lang="zh-CN" altLang="en-US" sz="2000" dirty="0" smtClean="0"/>
+              <a:t>的数据。</a:t>
+            </a:r>
+            <a:endParaRPr lang="zh-CN" altLang="en-US" sz="2000" dirty="0"/>
+          </a:p>
+        </p:txBody>
+      </p:sp>
+      <p:sp>
+        <p:nvSpPr>
+          <p:cNvPr id="11" name="TextBox 10"/>
+          <p:cNvSpPr txBox="1"/>
+          <p:nvPr/>
+        </p:nvSpPr>
+        <p:spPr>
+          <a:xfrm>
+            <a:off x="656680" y="2105789"/>
+            <a:ext cx="7704856" cy="400110"/>
+          </a:xfrm>
+          <a:prstGeom prst="rect">
+            <a:avLst/>
+          </a:prstGeom>
+          <a:noFill/>
+        </p:spPr>
+        <p:txBody>
+          <a:bodyPr wrap="square" rtlCol="0">
+            <a:spAutoFit/>
+          </a:bodyPr>
+          <a:lstStyle/>
+          <a:p>
+            <a:pPr marL="342900" indent="-342900">
+              <a:buFont typeface="Wingdings" panose="05000000000000000000" pitchFamily="2" charset="2"/>
+              <a:buChar char="Ø"/>
+            </a:pPr>
+            <a:r>
+              <a:rPr lang="zh-CN" altLang="en-US" sz="2000" dirty="0" smtClean="0"/>
+              <a:t>监控</a:t>
+            </a:r>
+            <a:r>
+              <a:rPr lang="zh-CN" altLang="en-US" sz="2000" dirty="0"/>
+              <a:t>某个</a:t>
+            </a:r>
+            <a:r>
+              <a:rPr lang="en-US" altLang="zh-CN" sz="2000" dirty="0" smtClean="0"/>
+              <a:t>Service</a:t>
+            </a:r>
+            <a:r>
+              <a:rPr lang="zh-CN" altLang="en-US" sz="2000" dirty="0" smtClean="0"/>
+              <a:t>进程。</a:t>
+            </a:r>
+            <a:endParaRPr lang="zh-CN" altLang="en-US" sz="2000" dirty="0"/>
+          </a:p>
+        </p:txBody>
+      </p:sp>
+      <p:sp>
+        <p:nvSpPr>
+          <p:cNvPr id="12" name="TextBox 11"/>
+          <p:cNvSpPr txBox="1"/>
+          <p:nvPr/>
+        </p:nvSpPr>
+        <p:spPr>
+          <a:xfrm>
+            <a:off x="655688" y="4237057"/>
+            <a:ext cx="7704856" cy="400110"/>
+          </a:xfrm>
+          <a:prstGeom prst="rect">
+            <a:avLst/>
+          </a:prstGeom>
+          <a:noFill/>
+        </p:spPr>
+        <p:txBody>
+          <a:bodyPr wrap="square" rtlCol="0">
+            <a:spAutoFit/>
+          </a:bodyPr>
+          <a:lstStyle/>
+          <a:p>
+            <a:pPr marL="342900" indent="-342900">
+              <a:buFont typeface="Wingdings" panose="05000000000000000000" pitchFamily="2" charset="2"/>
+              <a:buChar char="Ø"/>
+            </a:pPr>
+            <a:r>
+              <a:rPr lang="zh-CN" altLang="en-US" sz="2000" dirty="0" smtClean="0"/>
+              <a:t>创建</a:t>
+            </a:r>
+            <a:r>
+              <a:rPr lang="zh-CN" altLang="en-US" sz="2000" dirty="0"/>
+              <a:t>的</a:t>
+            </a:r>
+            <a:r>
+              <a:rPr lang="en-US" altLang="zh-CN" sz="2000" dirty="0" smtClean="0"/>
+              <a:t>Exporter</a:t>
+            </a:r>
+            <a:r>
+              <a:rPr lang="zh-CN" altLang="en-US" sz="2000" dirty="0" smtClean="0"/>
+              <a:t>为</a:t>
+            </a:r>
+            <a:r>
+              <a:rPr lang="en-US" altLang="zh-CN" sz="2000" dirty="0" smtClean="0"/>
+              <a:t>Prometheus</a:t>
+            </a:r>
+            <a:r>
+              <a:rPr lang="zh-CN" altLang="en-US" sz="2000" dirty="0" smtClean="0"/>
+              <a:t>提供监控数据。</a:t>
+            </a:r>
+            <a:endParaRPr lang="zh-CN" altLang="en-US" sz="2000" dirty="0"/>
+          </a:p>
+        </p:txBody>
+      </p:sp>
+      <p:sp>
+        <p:nvSpPr>
+          <p:cNvPr id="13" name="TextBox 12"/>
+          <p:cNvSpPr txBox="1"/>
+          <p:nvPr/>
+        </p:nvSpPr>
+        <p:spPr>
+          <a:xfrm>
+            <a:off x="834332" y="5628332"/>
+            <a:ext cx="7704856" cy="400110"/>
+          </a:xfrm>
+          <a:prstGeom prst="rect">
+            <a:avLst/>
+          </a:prstGeom>
+          <a:noFill/>
+        </p:spPr>
+        <p:txBody>
+          <a:bodyPr wrap="square" rtlCol="0">
+            <a:spAutoFit/>
+          </a:bodyPr>
+          <a:lstStyle/>
+          <a:p>
+            <a:pPr marL="342900" indent="-342900">
+              <a:buFont typeface="Wingdings" panose="05000000000000000000" pitchFamily="2" charset="2"/>
+              <a:buChar char="Ø"/>
+            </a:pPr>
+            <a:r>
+              <a:rPr lang="zh-CN" altLang="en-US" sz="2000" dirty="0"/>
+              <a:t>结合</a:t>
+            </a:r>
+            <a:r>
+              <a:rPr lang="en-US" altLang="zh-CN" sz="2000" dirty="0" err="1" smtClean="0"/>
+              <a:t>Granfana</a:t>
+            </a:r>
+            <a:r>
+              <a:rPr lang="zh-CN" altLang="en-US" sz="2000" dirty="0" smtClean="0"/>
+              <a:t>创建炫酷的可视化数据。</a:t>
+            </a:r>
+            <a:endParaRPr lang="zh-CN" altLang="en-US" sz="2000" dirty="0"/>
+          </a:p>
+        </p:txBody>
+      </p:sp>
+      <p:sp>
+        <p:nvSpPr>
+          <p:cNvPr id="14" name="TextBox 13"/>
+          <p:cNvSpPr txBox="1"/>
+          <p:nvPr/>
+        </p:nvSpPr>
+        <p:spPr>
+          <a:xfrm>
+            <a:off x="848272" y="4869160"/>
+            <a:ext cx="7704856" cy="707886"/>
+          </a:xfrm>
+          <a:prstGeom prst="rect">
+            <a:avLst/>
+          </a:prstGeom>
+          <a:noFill/>
+        </p:spPr>
+        <p:txBody>
+          <a:bodyPr wrap="square" rtlCol="0">
+            <a:spAutoFit/>
+          </a:bodyPr>
+          <a:lstStyle/>
+          <a:p>
+            <a:pPr marL="342900" indent="-342900">
+              <a:buFont typeface="Wingdings" panose="05000000000000000000" pitchFamily="2" charset="2"/>
+              <a:buChar char="Ø"/>
+            </a:pPr>
+            <a:r>
+              <a:rPr lang="en-US" altLang="zh-CN" sz="2000" dirty="0" err="1"/>
+              <a:t>PromQL</a:t>
+            </a:r>
+            <a:r>
+              <a:rPr lang="en-US" altLang="zh-CN" sz="2000" dirty="0"/>
+              <a:t> (Prometheus Query Language) </a:t>
+            </a:r>
+            <a:r>
+              <a:rPr lang="zh-CN" altLang="en-US" sz="2000" dirty="0"/>
+              <a:t>是 </a:t>
+            </a:r>
+            <a:r>
+              <a:rPr lang="en-US" altLang="zh-CN" sz="2000" dirty="0"/>
+              <a:t>Prometheus </a:t>
+            </a:r>
+            <a:r>
+              <a:rPr lang="zh-CN" altLang="en-US" sz="2000" dirty="0"/>
+              <a:t>自己开发的数据查询 </a:t>
+            </a:r>
+            <a:r>
+              <a:rPr lang="zh-CN" altLang="en-US" sz="2000" dirty="0" smtClean="0"/>
+              <a:t>语言，提供内置函数，使得监控数据更加有意义。</a:t>
+            </a:r>
+            <a:endParaRPr lang="zh-CN" altLang="en-US" sz="2000" dirty="0"/>
+          </a:p>
+        </p:txBody>
+      </p:sp>
+    </p:spTree>
+    <p:extLst>
+      <p:ext uri="{BB962C8B-B14F-4D97-AF65-F5344CB8AC3E}">
+        <p14:creationId xmlns:p14="http://schemas.microsoft.com/office/powerpoint/2010/main" val="3763170287"/>
+      </p:ext>
+    </p:extLst>
+  </p:cSld>
+  <p:clrMapOvr>
+    <a:masterClrMapping/>
+  </p:clrMapOvr>
+  <p:timing>
+    <p:tnLst>
+      <p:par>
+        <p:cTn id="1" dur="indefinite" restart="never" nodeType="tmRoot"/>
+      </p:par>
+    </p:tnLst>
+  </p:timing>
+</p:sld>
+</file>
+
 <file path=ppt/slides/slide2.xml><?xml version="1.0" encoding="utf-8"?>
 <p:sld xmlns:a="http://schemas.openxmlformats.org/drawingml/2006/main" xmlns:r="http://schemas.openxmlformats.org/officeDocument/2006/relationships" xmlns:p="http://schemas.openxmlformats.org/presentationml/2006/main">
   <p:cSld>
@@ -5101,7 +5976,7 @@
         </p:nvSpPr>
         <p:spPr>
           <a:xfrm>
-            <a:off x="551519" y="3295531"/>
+            <a:off x="551519" y="2886263"/>
             <a:ext cx="7200800" cy="830997"/>
           </a:xfrm>
           <a:prstGeom prst="rect">
@@ -5177,7 +6052,7 @@
         </p:nvSpPr>
         <p:spPr>
           <a:xfrm>
-            <a:off x="551518" y="4509120"/>
+            <a:off x="551518" y="3717260"/>
             <a:ext cx="7692889" cy="1200329"/>
           </a:xfrm>
           <a:prstGeom prst="rect">
@@ -5222,6 +6097,86 @@
             <a:r>
               <a:rPr lang="zh-CN" altLang="en-US" sz="2400" dirty="0" smtClean="0"/>
               <a:t>、磁盘）、网络监控等等</a:t>
+            </a:r>
+            <a:endParaRPr lang="zh-CN" altLang="en-US" sz="2400" dirty="0"/>
+          </a:p>
+        </p:txBody>
+      </p:sp>
+      <p:sp>
+        <p:nvSpPr>
+          <p:cNvPr id="7" name="TextBox 6"/>
+          <p:cNvSpPr txBox="1"/>
+          <p:nvPr/>
+        </p:nvSpPr>
+        <p:spPr>
+          <a:xfrm>
+            <a:off x="596515" y="4986273"/>
+            <a:ext cx="7200800" cy="830997"/>
+          </a:xfrm>
+          <a:prstGeom prst="rect">
+            <a:avLst/>
+          </a:prstGeom>
+          <a:noFill/>
+        </p:spPr>
+        <p:txBody>
+          <a:bodyPr wrap="square" rtlCol="0">
+            <a:spAutoFit/>
+          </a:bodyPr>
+          <a:lstStyle/>
+          <a:p>
+            <a:pPr marL="285750" indent="-285750">
+              <a:buFont typeface="Wingdings" panose="05000000000000000000" pitchFamily="2" charset="2"/>
+              <a:buChar char="Ø"/>
+            </a:pPr>
+            <a:r>
+              <a:rPr lang="zh-CN" altLang="en-US" sz="2400" dirty="0" smtClean="0"/>
+              <a:t>提供灵活</a:t>
+            </a:r>
+            <a:r>
+              <a:rPr lang="zh-CN" altLang="en-US" sz="2400" dirty="0"/>
+              <a:t>的查询及聚合</a:t>
+            </a:r>
+            <a:r>
+              <a:rPr lang="zh-CN" altLang="en-US" sz="2400" dirty="0" smtClean="0"/>
+              <a:t>语句，自带图形界面，可视化采集的数据</a:t>
+            </a:r>
+            <a:r>
+              <a:rPr lang="zh-CN" altLang="en-US" sz="2400" dirty="0" smtClean="0"/>
+              <a:t>。</a:t>
+            </a:r>
+            <a:endParaRPr lang="zh-CN" altLang="en-US" sz="2400" dirty="0"/>
+          </a:p>
+        </p:txBody>
+      </p:sp>
+      <p:sp>
+        <p:nvSpPr>
+          <p:cNvPr id="8" name="TextBox 7"/>
+          <p:cNvSpPr txBox="1"/>
+          <p:nvPr/>
+        </p:nvSpPr>
+        <p:spPr>
+          <a:xfrm>
+            <a:off x="596515" y="5817270"/>
+            <a:ext cx="7200800" cy="461665"/>
+          </a:xfrm>
+          <a:prstGeom prst="rect">
+            <a:avLst/>
+          </a:prstGeom>
+          <a:noFill/>
+        </p:spPr>
+        <p:txBody>
+          <a:bodyPr wrap="square" rtlCol="0">
+            <a:spAutoFit/>
+          </a:bodyPr>
+          <a:lstStyle/>
+          <a:p>
+            <a:pPr marL="285750" indent="-285750">
+              <a:buFont typeface="Wingdings" panose="05000000000000000000" pitchFamily="2" charset="2"/>
+              <a:buChar char="Ø"/>
+            </a:pPr>
+            <a:r>
+              <a:rPr lang="zh-CN" altLang="en-US" sz="2400" dirty="0" smtClean="0"/>
+              <a:t>提供分布式存储。</a:t>
             </a:r>
             <a:endParaRPr lang="zh-CN" altLang="en-US" sz="2400" dirty="0"/>
           </a:p>
@@ -6172,131 +7127,6 @@
           </a:p>
         </p:txBody>
       </p:sp>
-      <p:sp>
-        <p:nvSpPr>
-          <p:cNvPr id="9" name="TextBox 8"/>
-          <p:cNvSpPr txBox="1"/>
-          <p:nvPr/>
-        </p:nvSpPr>
-        <p:spPr>
-          <a:xfrm>
-            <a:off x="485574" y="6093296"/>
-            <a:ext cx="7704856" cy="3416320"/>
-          </a:xfrm>
-          <a:prstGeom prst="rect">
-            <a:avLst/>
-          </a:prstGeom>
-          <a:noFill/>
-        </p:spPr>
-        <p:txBody>
-          <a:bodyPr wrap="square" rtlCol="0">
-            <a:spAutoFit/>
-          </a:bodyPr>
-          <a:lstStyle/>
-          <a:p>
-            <a:r>
-              <a:rPr lang="en-US" altLang="zh-CN" sz="2400" dirty="0"/>
-              <a:t>Prometheus </a:t>
-            </a:r>
-            <a:r>
-              <a:rPr lang="zh-CN" altLang="en-US" sz="2400" dirty="0"/>
-              <a:t>采用 </a:t>
-            </a:r>
-            <a:r>
-              <a:rPr lang="en-US" altLang="zh-CN" sz="2400" dirty="0"/>
-              <a:t>pull </a:t>
-            </a:r>
-            <a:r>
-              <a:rPr lang="zh-CN" altLang="en-US" sz="2400" dirty="0"/>
-              <a:t>模式，可能由于不在一个子网或者防火墙原因，导致 </a:t>
-            </a:r>
-            <a:r>
-              <a:rPr lang="en-US" altLang="zh-CN" sz="2400" dirty="0"/>
-              <a:t>Prometheus </a:t>
-            </a:r>
-            <a:r>
-              <a:rPr lang="zh-CN" altLang="en-US" sz="2400" dirty="0"/>
-              <a:t>无法直接拉取各个 </a:t>
-            </a:r>
-            <a:r>
-              <a:rPr lang="en-US" altLang="zh-CN" sz="2400" dirty="0"/>
-              <a:t>target </a:t>
-            </a:r>
-            <a:r>
-              <a:rPr lang="zh-CN" altLang="en-US" sz="2400" dirty="0"/>
-              <a:t>数据。在监控业务数据的时候，需要将不同数据汇总</a:t>
-            </a:r>
-            <a:r>
-              <a:rPr lang="en-US" altLang="zh-CN" sz="2400" dirty="0"/>
-              <a:t>, </a:t>
-            </a:r>
-            <a:r>
-              <a:rPr lang="zh-CN" altLang="en-US" sz="2400" dirty="0"/>
-              <a:t>由 </a:t>
-            </a:r>
-            <a:r>
-              <a:rPr lang="en-US" altLang="zh-CN" sz="2400" dirty="0"/>
-              <a:t>Prometheus </a:t>
-            </a:r>
-            <a:r>
-              <a:rPr lang="zh-CN" altLang="en-US" sz="2400" dirty="0"/>
-              <a:t>统一</a:t>
-            </a:r>
-            <a:r>
-              <a:rPr lang="zh-CN" altLang="en-US" sz="2400" dirty="0" smtClean="0"/>
-              <a:t>收集。</a:t>
-            </a:r>
-            <a:r>
-              <a:rPr lang="en-US" altLang="zh-CN" sz="2400" dirty="0"/>
-              <a:t>Prometheus</a:t>
-            </a:r>
-            <a:r>
-              <a:rPr lang="zh-CN" altLang="en-US" sz="2400" dirty="0"/>
-              <a:t>采集数据是用的</a:t>
-            </a:r>
-            <a:r>
-              <a:rPr lang="en-US" altLang="zh-CN" sz="2400" dirty="0"/>
-              <a:t>pull</a:t>
-            </a:r>
-            <a:r>
-              <a:rPr lang="zh-CN" altLang="en-US" sz="2400" dirty="0"/>
-              <a:t>也就是拉模型，这从我们刚才设置的</a:t>
-            </a:r>
-            <a:r>
-              <a:rPr lang="en-US" altLang="zh-CN" sz="2400" dirty="0"/>
-              <a:t>5</a:t>
-            </a:r>
-            <a:r>
-              <a:rPr lang="zh-CN" altLang="en-US" sz="2400" dirty="0"/>
-              <a:t>秒参数就能看出来。但是有些数据并不适合采用这样的方式，对这样的数据可以使用</a:t>
-            </a:r>
-            <a:r>
-              <a:rPr lang="en-US" altLang="zh-CN" sz="2400" dirty="0"/>
-              <a:t>Push Gateway</a:t>
-            </a:r>
-            <a:r>
-              <a:rPr lang="zh-CN" altLang="en-US" sz="2400" dirty="0"/>
-              <a:t>服务。它就相当于一个缓存，当数据采集完成之后，就上传到这里，由</a:t>
-            </a:r>
-            <a:r>
-              <a:rPr lang="en-US" altLang="zh-CN" sz="2400" dirty="0"/>
-              <a:t>Prometheus</a:t>
-            </a:r>
-            <a:r>
-              <a:rPr lang="zh-CN" altLang="en-US" sz="2400" dirty="0"/>
-              <a:t>稍后再</a:t>
-            </a:r>
-            <a:r>
-              <a:rPr lang="en-US" altLang="zh-CN" sz="2400" dirty="0"/>
-              <a:t>pull</a:t>
-            </a:r>
-            <a:r>
-              <a:rPr lang="zh-CN" altLang="en-US" sz="2400" dirty="0"/>
-              <a:t>过来</a:t>
-            </a:r>
-          </a:p>
-        </p:txBody>
-      </p:sp>
     </p:spTree>
     <p:extLst>
       <p:ext uri="{BB962C8B-B14F-4D97-AF65-F5344CB8AC3E}">
@@ -6438,7 +7268,7 @@
         </p:nvSpPr>
         <p:spPr>
           <a:xfrm>
-            <a:off x="585900" y="1446695"/>
+            <a:off x="564196" y="1226369"/>
             <a:ext cx="7704856" cy="1569660"/>
           </a:xfrm>
           <a:prstGeom prst="rect">
@@ -6506,11 +7336,7 @@
             </a:r>
             <a:r>
               <a:rPr lang="zh-CN" altLang="en-US" sz="2400" dirty="0" smtClean="0"/>
-              <a:t>收集</a:t>
-            </a:r>
-            <a:r>
-              <a:rPr lang="zh-CN" altLang="en-US" sz="2400" dirty="0" smtClean="0"/>
-              <a:t>。</a:t>
+              <a:t>收集。</a:t>
             </a:r>
             <a:endParaRPr lang="zh-CN" altLang="en-US" sz="2400" dirty="0"/>
           </a:p>
@@ -6524,8 +7350,8 @@
         </p:nvSpPr>
         <p:spPr>
           <a:xfrm>
-            <a:off x="755576" y="3429000"/>
-            <a:ext cx="6912768" cy="2585323"/>
+            <a:off x="750640" y="2796029"/>
+            <a:ext cx="6912768" cy="2215991"/>
           </a:xfrm>
           <a:prstGeom prst="rect">
             <a:avLst/>
@@ -6548,19 +7374,15 @@
             </a:r>
             <a:r>
               <a:rPr lang="zh-CN" altLang="en-US" sz="2400" dirty="0"/>
-              <a:t>采集数据是用的</a:t>
-            </a:r>
-            <a:r>
-              <a:rPr lang="en-US" altLang="zh-CN" sz="2400" dirty="0"/>
-              <a:t>pull</a:t>
-            </a:r>
-            <a:r>
-              <a:rPr lang="zh-CN" altLang="en-US" sz="2400" dirty="0"/>
-              <a:t>也就是拉模型</a:t>
+              <a:t>采集</a:t>
             </a:r>
             <a:r>
               <a:rPr lang="zh-CN" altLang="en-US" sz="2400" dirty="0" smtClean="0"/>
-              <a:t>，需要定时拉取。</a:t>
+              <a:t>数据，</a:t>
+            </a:r>
+            <a:r>
+              <a:rPr lang="zh-CN" altLang="en-US" sz="2400" dirty="0" smtClean="0"/>
+              <a:t>需要定时拉取。</a:t>
             </a:r>
             <a:r>
               <a:rPr lang="zh-CN" altLang="en-US" sz="2400" dirty="0"/>
@@ -6572,27 +7394,81 @@
             </a:r>
             <a:r>
               <a:rPr lang="zh-CN" altLang="en-US" sz="2400" dirty="0"/>
-              <a:t>服务。它就相当于一个缓存，当数据采集完成之后，就上传到这里，由</a:t>
+              <a:t>服务。它就相当于一个缓存，当数据采集完成之后，就上传到这里</a:t>
+            </a:r>
+            <a:r>
+              <a:rPr lang="zh-CN" altLang="en-US" sz="2400" dirty="0" smtClean="0"/>
+              <a:t>，主动推送</a:t>
+            </a:r>
+            <a:r>
+              <a:rPr lang="en-US" altLang="zh-CN" sz="2400" dirty="0" smtClean="0"/>
+              <a:t>push</a:t>
+            </a:r>
+            <a:r>
+              <a:rPr lang="zh-CN" altLang="en-US" sz="2400" dirty="0" smtClean="0"/>
+              <a:t>到</a:t>
             </a:r>
             <a:r>
               <a:rPr lang="en-US" altLang="zh-CN" sz="2400" dirty="0"/>
               <a:t>Prometheus</a:t>
             </a:r>
             <a:r>
+              <a:rPr lang="zh-CN" altLang="en-US" sz="2400" dirty="0" smtClean="0"/>
+              <a:t>。</a:t>
+            </a:r>
+            <a:endParaRPr lang="zh-CN" altLang="en-US" sz="2400" dirty="0"/>
+          </a:p>
+          <a:p>
+            <a:endParaRPr lang="zh-CN" altLang="en-US" dirty="0"/>
+          </a:p>
+        </p:txBody>
+      </p:sp>
+      <p:sp>
+        <p:nvSpPr>
+          <p:cNvPr id="2" name="TextBox 1"/>
+          <p:cNvSpPr txBox="1"/>
+          <p:nvPr/>
+        </p:nvSpPr>
+        <p:spPr>
+          <a:xfrm>
+            <a:off x="899592" y="5012020"/>
+            <a:ext cx="6984776" cy="830997"/>
+          </a:xfrm>
+          <a:prstGeom prst="rect">
+            <a:avLst/>
+          </a:prstGeom>
+          <a:noFill/>
+        </p:spPr>
+        <p:txBody>
+          <a:bodyPr wrap="square" rtlCol="0">
+            <a:spAutoFit/>
+          </a:bodyPr>
+          <a:lstStyle/>
+          <a:p>
+            <a:pPr marL="342900" indent="-342900">
+              <a:buFont typeface="Wingdings" panose="05000000000000000000" pitchFamily="2" charset="2"/>
+              <a:buChar char="Ø"/>
+            </a:pPr>
+            <a:r>
+              <a:rPr lang="en-US" altLang="zh-CN" sz="2400" dirty="0"/>
+              <a:t>PushGateWay</a:t>
+            </a:r>
+            <a:r>
               <a:rPr lang="zh-CN" altLang="en-US" sz="2400" dirty="0"/>
-              <a:t>稍后再</a:t>
+              <a:t>可以装在于</a:t>
             </a:r>
             <a:r>
               <a:rPr lang="en-US" altLang="zh-CN" sz="2400" dirty="0"/>
-              <a:t>pull</a:t>
-            </a:r>
-            <a:r>
-              <a:rPr lang="zh-CN" altLang="en-US" sz="2400" dirty="0" smtClean="0"/>
-              <a:t>过来。</a:t>
-            </a:r>
-            <a:endParaRPr lang="zh-CN" altLang="en-US" sz="2400" dirty="0"/>
-          </a:p>
-          <a:p>
+              <a:t>Prometheus</a:t>
+            </a:r>
+            <a:r>
+              <a:rPr lang="zh-CN" altLang="en-US" sz="2400" dirty="0"/>
+              <a:t>相同的节点或者任意节点上</a:t>
+            </a:r>
+            <a:r>
+              <a:rPr lang="zh-CN" altLang="en-US" dirty="0" smtClean="0"/>
+              <a:t>。</a:t>
+            </a:r>
             <a:endParaRPr lang="zh-CN" altLang="en-US" dirty="0"/>
           </a:p>
         </p:txBody>
@@ -6740,11 +7616,7 @@
             </a:r>
             <a:r>
               <a:rPr lang="zh-CN" altLang="en-US" sz="2400" dirty="0" smtClean="0"/>
-              <a:t>和多个标签共同确定</a:t>
-            </a:r>
-            <a:r>
-              <a:rPr lang="zh-CN" altLang="en-US" sz="2400" dirty="0" smtClean="0"/>
-              <a:t>。</a:t>
+              <a:t>和多个标签共同确定。</a:t>
             </a:r>
             <a:endParaRPr lang="zh-CN" altLang="en-US" sz="2400" dirty="0"/>
           </a:p>
@@ -7083,7 +7955,11 @@
             </a:r>
             <a:r>
               <a:rPr lang="zh-CN" altLang="en-US" sz="2400" dirty="0"/>
-              <a:t>容易得到任意区间数据的增量</a:t>
+              <a:t>容易得到任意区间数据的</a:t>
+            </a:r>
+            <a:r>
+              <a:rPr lang="zh-CN" altLang="en-US" sz="2400" dirty="0" smtClean="0"/>
+              <a:t>增量。</a:t>
             </a:r>
             <a:endParaRPr lang="zh-CN" altLang="en-US" sz="2400" dirty="0"/>
           </a:p>
@@ -7126,6 +8002,166 @@
             <a:endParaRPr lang="zh-CN" altLang="en-US" sz="2400" b="1" dirty="0">
               <a:latin typeface="+mn-ea"/>
             </a:endParaRPr>
+          </a:p>
+        </p:txBody>
+      </p:sp>
+      <p:sp>
+        <p:nvSpPr>
+          <p:cNvPr id="5" name="TextBox 4"/>
+          <p:cNvSpPr txBox="1"/>
+          <p:nvPr/>
+        </p:nvSpPr>
+        <p:spPr>
+          <a:xfrm>
+            <a:off x="612381" y="3079168"/>
+            <a:ext cx="2545940" cy="461665"/>
+          </a:xfrm>
+          <a:prstGeom prst="rect">
+            <a:avLst/>
+          </a:prstGeom>
+          <a:noFill/>
+        </p:spPr>
+        <p:txBody>
+          <a:bodyPr wrap="square" rtlCol="0">
+            <a:spAutoFit/>
+          </a:bodyPr>
+          <a:lstStyle/>
+          <a:p>
+            <a:r>
+              <a:rPr lang="en-US" altLang="zh-CN" sz="2400" b="1" dirty="0">
+                <a:latin typeface="+mn-ea"/>
+              </a:rPr>
+              <a:t>Gauge</a:t>
+            </a:r>
+            <a:r>
+              <a:rPr lang="zh-CN" altLang="en-US" sz="2400" b="1" dirty="0" smtClean="0">
+                <a:latin typeface="+mn-ea"/>
+              </a:rPr>
+              <a:t>类型</a:t>
+            </a:r>
+            <a:endParaRPr lang="zh-CN" altLang="en-US" sz="2400" b="1" dirty="0">
+              <a:latin typeface="+mn-ea"/>
+            </a:endParaRPr>
+          </a:p>
+        </p:txBody>
+      </p:sp>
+      <p:sp>
+        <p:nvSpPr>
+          <p:cNvPr id="7" name="TextBox 6"/>
+          <p:cNvSpPr txBox="1"/>
+          <p:nvPr/>
+        </p:nvSpPr>
+        <p:spPr>
+          <a:xfrm>
+            <a:off x="560815" y="3569546"/>
+            <a:ext cx="7704856" cy="830997"/>
+          </a:xfrm>
+          <a:prstGeom prst="rect">
+            <a:avLst/>
+          </a:prstGeom>
+          <a:noFill/>
+        </p:spPr>
+        <p:txBody>
+          <a:bodyPr wrap="square" rtlCol="0">
+            <a:spAutoFit/>
+          </a:bodyPr>
+          <a:lstStyle/>
+          <a:p>
+            <a:pPr marL="342900" indent="-342900">
+              <a:buFont typeface="Wingdings" panose="05000000000000000000" pitchFamily="2" charset="2"/>
+              <a:buChar char="Ø"/>
+            </a:pPr>
+            <a:r>
+              <a:rPr lang="zh-CN" altLang="en-US" sz="2400" dirty="0"/>
+              <a:t>表示收集的数据</a:t>
+            </a:r>
+            <a:r>
+              <a:rPr lang="zh-CN" altLang="en-US" sz="2400" dirty="0" smtClean="0"/>
+              <a:t>是瞬时变化的，可以变得任意高低，往往用来记录</a:t>
+            </a:r>
+            <a:r>
+              <a:rPr lang="en-US" altLang="zh-CN" sz="2400" dirty="0" smtClean="0"/>
+              <a:t>CPU</a:t>
+            </a:r>
+            <a:r>
+              <a:rPr lang="zh-CN" altLang="en-US" sz="2400" dirty="0" smtClean="0"/>
+              <a:t>使用率以及磁盘使用率等数据。</a:t>
+            </a:r>
+            <a:endParaRPr lang="zh-CN" altLang="en-US" sz="2400" dirty="0"/>
+          </a:p>
+        </p:txBody>
+      </p:sp>
+      <p:sp>
+        <p:nvSpPr>
+          <p:cNvPr id="8" name="TextBox 7"/>
+          <p:cNvSpPr txBox="1"/>
+          <p:nvPr/>
+        </p:nvSpPr>
+        <p:spPr>
+          <a:xfrm>
+            <a:off x="612381" y="4805094"/>
+            <a:ext cx="2545940" cy="461665"/>
+          </a:xfrm>
+          <a:prstGeom prst="rect">
+            <a:avLst/>
+          </a:prstGeom>
+          <a:noFill/>
+        </p:spPr>
+        <p:txBody>
+          <a:bodyPr wrap="square" rtlCol="0">
+            <a:spAutoFit/>
+          </a:bodyPr>
+          <a:lstStyle/>
+          <a:p>
+            <a:r>
+              <a:rPr lang="en-US" altLang="zh-CN" sz="2400" b="1" dirty="0" smtClean="0">
+                <a:latin typeface="+mn-ea"/>
+              </a:rPr>
+              <a:t>Histogram</a:t>
+            </a:r>
+            <a:r>
+              <a:rPr lang="zh-CN" altLang="en-US" sz="2400" b="1" dirty="0" smtClean="0">
+                <a:latin typeface="+mn-ea"/>
+              </a:rPr>
+              <a:t>类型</a:t>
+            </a:r>
+            <a:endParaRPr lang="zh-CN" altLang="en-US" sz="2400" b="1" dirty="0">
+              <a:latin typeface="+mn-ea"/>
+            </a:endParaRPr>
+          </a:p>
+        </p:txBody>
+      </p:sp>
+      <p:sp>
+        <p:nvSpPr>
+          <p:cNvPr id="10" name="TextBox 9"/>
+          <p:cNvSpPr txBox="1"/>
+          <p:nvPr/>
+        </p:nvSpPr>
+        <p:spPr>
+          <a:xfrm>
+            <a:off x="540238" y="5445224"/>
+            <a:ext cx="7704856" cy="461665"/>
+          </a:xfrm>
+          <a:prstGeom prst="rect">
+            <a:avLst/>
+          </a:prstGeom>
+          <a:noFill/>
+        </p:spPr>
+        <p:txBody>
+          <a:bodyPr wrap="square" rtlCol="0">
+            <a:spAutoFit/>
+          </a:bodyPr>
+          <a:lstStyle/>
+          <a:p>
+            <a:pPr marL="342900" indent="-342900">
+              <a:buFont typeface="Wingdings" panose="05000000000000000000" pitchFamily="2" charset="2"/>
+              <a:buChar char="Ø"/>
+            </a:pPr>
+            <a:r>
+              <a:rPr lang="zh-CN" altLang="en-US" sz="2400" dirty="0" smtClean="0"/>
+              <a:t>表示出现在某范围内的统计次数，也类似于直方图。</a:t>
+            </a:r>
+            <a:endParaRPr lang="zh-CN" altLang="en-US" sz="2400" dirty="0"/>
           </a:p>
         </p:txBody>
       </p:sp>

--- a/Prometheus知识/Prometheus.pptx
+++ b/Prometheus知识/Prometheus.pptx
@@ -16,6 +16,7 @@
     <p:sldId id="264" r:id="rId10"/>
     <p:sldId id="265" r:id="rId11"/>
     <p:sldId id="266" r:id="rId12"/>
+    <p:sldId id="267" r:id="rId13"/>
   </p:sldIdLst>
   <p:sldSz cx="9144000" cy="6858000" type="screen4x3"/>
   <p:notesSz cx="6858000" cy="9144000"/>
@@ -298,7 +299,7 @@
           <a:p>
             <a:fld id="{530820CF-B880-4189-942D-D702A7CBA730}" type="datetimeFigureOut">
               <a:rPr lang="zh-CN" altLang="en-US" smtClean="0"/>
-              <a:t>2019/9/17</a:t>
+              <a:t>2019/9/18</a:t>
             </a:fld>
             <a:endParaRPr lang="zh-CN" altLang="en-US"/>
           </a:p>
@@ -463,7 +464,7 @@
           <a:p>
             <a:fld id="{530820CF-B880-4189-942D-D702A7CBA730}" type="datetimeFigureOut">
               <a:rPr lang="zh-CN" altLang="en-US" smtClean="0"/>
-              <a:t>2019/9/17</a:t>
+              <a:t>2019/9/18</a:t>
             </a:fld>
             <a:endParaRPr lang="zh-CN" altLang="en-US"/>
           </a:p>
@@ -638,7 +639,7 @@
           <a:p>
             <a:fld id="{530820CF-B880-4189-942D-D702A7CBA730}" type="datetimeFigureOut">
               <a:rPr lang="zh-CN" altLang="en-US" smtClean="0"/>
-              <a:t>2019/9/17</a:t>
+              <a:t>2019/9/18</a:t>
             </a:fld>
             <a:endParaRPr lang="zh-CN" altLang="en-US"/>
           </a:p>
@@ -803,7 +804,7 @@
           <a:p>
             <a:fld id="{530820CF-B880-4189-942D-D702A7CBA730}" type="datetimeFigureOut">
               <a:rPr lang="zh-CN" altLang="en-US" smtClean="0"/>
-              <a:t>2019/9/17</a:t>
+              <a:t>2019/9/18</a:t>
             </a:fld>
             <a:endParaRPr lang="zh-CN" altLang="en-US"/>
           </a:p>
@@ -1044,7 +1045,7 @@
           <a:p>
             <a:fld id="{530820CF-B880-4189-942D-D702A7CBA730}" type="datetimeFigureOut">
               <a:rPr lang="zh-CN" altLang="en-US" smtClean="0"/>
-              <a:t>2019/9/17</a:t>
+              <a:t>2019/9/18</a:t>
             </a:fld>
             <a:endParaRPr lang="zh-CN" altLang="en-US"/>
           </a:p>
@@ -1327,7 +1328,7 @@
           <a:p>
             <a:fld id="{530820CF-B880-4189-942D-D702A7CBA730}" type="datetimeFigureOut">
               <a:rPr lang="zh-CN" altLang="en-US" smtClean="0"/>
-              <a:t>2019/9/17</a:t>
+              <a:t>2019/9/18</a:t>
             </a:fld>
             <a:endParaRPr lang="zh-CN" altLang="en-US"/>
           </a:p>
@@ -1744,7 +1745,7 @@
           <a:p>
             <a:fld id="{530820CF-B880-4189-942D-D702A7CBA730}" type="datetimeFigureOut">
               <a:rPr lang="zh-CN" altLang="en-US" smtClean="0"/>
-              <a:t>2019/9/17</a:t>
+              <a:t>2019/9/18</a:t>
             </a:fld>
             <a:endParaRPr lang="zh-CN" altLang="en-US"/>
           </a:p>
@@ -1857,7 +1858,7 @@
           <a:p>
             <a:fld id="{530820CF-B880-4189-942D-D702A7CBA730}" type="datetimeFigureOut">
               <a:rPr lang="zh-CN" altLang="en-US" smtClean="0"/>
-              <a:t>2019/9/17</a:t>
+              <a:t>2019/9/18</a:t>
             </a:fld>
             <a:endParaRPr lang="zh-CN" altLang="en-US"/>
           </a:p>
@@ -1947,7 +1948,7 @@
           <a:p>
             <a:fld id="{530820CF-B880-4189-942D-D702A7CBA730}" type="datetimeFigureOut">
               <a:rPr lang="zh-CN" altLang="en-US" smtClean="0"/>
-              <a:t>2019/9/17</a:t>
+              <a:t>2019/9/18</a:t>
             </a:fld>
             <a:endParaRPr lang="zh-CN" altLang="en-US"/>
           </a:p>
@@ -2219,7 +2220,7 @@
           <a:p>
             <a:fld id="{530820CF-B880-4189-942D-D702A7CBA730}" type="datetimeFigureOut">
               <a:rPr lang="zh-CN" altLang="en-US" smtClean="0"/>
-              <a:t>2019/9/17</a:t>
+              <a:t>2019/9/18</a:t>
             </a:fld>
             <a:endParaRPr lang="zh-CN" altLang="en-US"/>
           </a:p>
@@ -2467,7 +2468,7 @@
           <a:p>
             <a:fld id="{530820CF-B880-4189-942D-D702A7CBA730}" type="datetimeFigureOut">
               <a:rPr lang="zh-CN" altLang="en-US" smtClean="0"/>
-              <a:t>2019/9/17</a:t>
+              <a:t>2019/9/18</a:t>
             </a:fld>
             <a:endParaRPr lang="zh-CN" altLang="en-US"/>
           </a:p>
@@ -2682,7 +2683,7 @@
           <a:p>
             <a:fld id="{530820CF-B880-4189-942D-D702A7CBA730}" type="datetimeFigureOut">
               <a:rPr lang="zh-CN" altLang="en-US" smtClean="0"/>
-              <a:t>2019/9/17</a:t>
+              <a:t>2019/9/18</a:t>
             </a:fld>
             <a:endParaRPr lang="zh-CN" altLang="en-US"/>
           </a:p>
@@ -3716,9 +3717,6 @@
               </a:rPr>
               <a:t>演示</a:t>
             </a:r>
-            <a:endParaRPr lang="zh-CN" altLang="en-US" sz="2400" b="1" dirty="0">
-              <a:latin typeface="+mn-ea"/>
-            </a:endParaRPr>
           </a:p>
         </p:txBody>
       </p:sp>
@@ -4061,6 +4059,349 @@
       </p:par>
     </p:tnLst>
   </p:timing>
+</p:sld>
+</file>
+
+<file path=ppt/slides/slide12.xml><?xml version="1.0" encoding="utf-8"?>
+<p:sld xmlns:a="http://schemas.openxmlformats.org/drawingml/2006/main" xmlns:r="http://schemas.openxmlformats.org/officeDocument/2006/relationships" xmlns:p="http://schemas.openxmlformats.org/presentationml/2006/main">
+  <p:cSld>
+    <p:spTree>
+      <p:nvGrpSpPr>
+        <p:cNvPr id="1" name=""/>
+        <p:cNvGrpSpPr/>
+        <p:nvPr/>
+      </p:nvGrpSpPr>
+      <p:grpSpPr>
+        <a:xfrm>
+          <a:off x="0" y="0"/>
+          <a:ext cx="0" cy="0"/>
+          <a:chOff x="0" y="0"/>
+          <a:chExt cx="0" cy="0"/>
+        </a:xfrm>
+      </p:grpSpPr>
+      <p:sp>
+        <p:nvSpPr>
+          <p:cNvPr id="4" name="标题 5"/>
+          <p:cNvSpPr txBox="1">
+            <a:spLocks/>
+          </p:cNvSpPr>
+          <p:nvPr/>
+        </p:nvSpPr>
+        <p:spPr>
+          <a:xfrm>
+            <a:off x="323528" y="274638"/>
+            <a:ext cx="8229600" cy="490066"/>
+          </a:xfrm>
+          <a:prstGeom prst="rect">
+            <a:avLst/>
+          </a:prstGeom>
+          <a:solidFill>
+            <a:schemeClr val="tx2">
+              <a:lumMod val="40000"/>
+              <a:lumOff val="60000"/>
+            </a:schemeClr>
+          </a:solidFill>
+        </p:spPr>
+        <p:txBody>
+          <a:bodyPr vert="horz" lIns="91440" tIns="45720" rIns="91440" bIns="45720" rtlCol="0" anchor="ctr">
+            <a:noAutofit/>
+          </a:bodyPr>
+          <a:lstStyle>
+            <a:lvl1pPr algn="ctr" defTabSz="914400" rtl="0" eaLnBrk="1" latinLnBrk="0" hangingPunct="1">
+              <a:spcBef>
+                <a:spcPct val="0"/>
+              </a:spcBef>
+              <a:buNone/>
+              <a:defRPr sz="4400" kern="1200">
+                <a:solidFill>
+                  <a:schemeClr val="tx1"/>
+                </a:solidFill>
+                <a:latin typeface="+mj-lt"/>
+                <a:ea typeface="+mj-ea"/>
+                <a:cs typeface="+mj-cs"/>
+              </a:defRPr>
+            </a:lvl1pPr>
+          </a:lstStyle>
+          <a:p>
+            <a:pPr algn="l"/>
+            <a:r>
+              <a:rPr lang="zh-CN" altLang="en-US" sz="3200" b="1" dirty="0" smtClean="0">
+                <a:latin typeface="+mn-ea"/>
+                <a:ea typeface="+mn-ea"/>
+              </a:rPr>
+              <a:t>未来的监控系统</a:t>
+            </a:r>
+            <a:endParaRPr lang="zh-CN" altLang="en-US" sz="3200" b="1" dirty="0">
+              <a:latin typeface="+mn-ea"/>
+              <a:ea typeface="+mn-ea"/>
+            </a:endParaRPr>
+          </a:p>
+        </p:txBody>
+      </p:sp>
+      <p:sp>
+        <p:nvSpPr>
+          <p:cNvPr id="5" name="TextBox 4"/>
+          <p:cNvSpPr txBox="1"/>
+          <p:nvPr/>
+        </p:nvSpPr>
+        <p:spPr>
+          <a:xfrm>
+            <a:off x="323528" y="1196752"/>
+            <a:ext cx="2088232" cy="400110"/>
+          </a:xfrm>
+          <a:prstGeom prst="rect">
+            <a:avLst/>
+          </a:prstGeom>
+          <a:noFill/>
+        </p:spPr>
+        <p:txBody>
+          <a:bodyPr wrap="square" rtlCol="0">
+            <a:spAutoFit/>
+          </a:bodyPr>
+          <a:lstStyle/>
+          <a:p>
+            <a:r>
+              <a:rPr lang="zh-CN" altLang="en-US" sz="2000" b="1" dirty="0" smtClean="0"/>
+              <a:t>当前监控的现状：</a:t>
+            </a:r>
+            <a:endParaRPr lang="zh-CN" altLang="en-US" sz="2000" b="1" dirty="0"/>
+          </a:p>
+        </p:txBody>
+      </p:sp>
+      <p:sp>
+        <p:nvSpPr>
+          <p:cNvPr id="6" name="TextBox 5"/>
+          <p:cNvSpPr txBox="1"/>
+          <p:nvPr/>
+        </p:nvSpPr>
+        <p:spPr>
+          <a:xfrm>
+            <a:off x="611560" y="1772816"/>
+            <a:ext cx="7128792" cy="923330"/>
+          </a:xfrm>
+          <a:prstGeom prst="rect">
+            <a:avLst/>
+          </a:prstGeom>
+          <a:noFill/>
+        </p:spPr>
+        <p:txBody>
+          <a:bodyPr wrap="square" rtlCol="0">
+            <a:spAutoFit/>
+          </a:bodyPr>
+          <a:lstStyle/>
+          <a:p>
+            <a:pPr marL="285750" indent="-285750">
+              <a:buFont typeface="Wingdings" panose="05000000000000000000" pitchFamily="2" charset="2"/>
+              <a:buChar char="Ø"/>
+            </a:pPr>
+            <a:r>
+              <a:rPr lang="zh-CN" altLang="en-US" dirty="0" smtClean="0"/>
+              <a:t>自动化程度底</a:t>
+            </a:r>
+            <a:endParaRPr lang="en-US" altLang="zh-CN" dirty="0" smtClean="0"/>
+          </a:p>
+          <a:p>
+            <a:pPr marL="285750" indent="-285750">
+              <a:buFont typeface="Wingdings" panose="05000000000000000000" pitchFamily="2" charset="2"/>
+              <a:buChar char="Ø"/>
+            </a:pPr>
+            <a:r>
+              <a:rPr lang="zh-CN" altLang="en-US" dirty="0" smtClean="0"/>
+              <a:t>依然需要大量的人工干预</a:t>
+            </a:r>
+            <a:endParaRPr lang="en-US" altLang="zh-CN" dirty="0" smtClean="0"/>
+          </a:p>
+          <a:p>
+            <a:pPr marL="285750" indent="-285750">
+              <a:buFont typeface="Wingdings" panose="05000000000000000000" pitchFamily="2" charset="2"/>
+              <a:buChar char="Ø"/>
+            </a:pPr>
+            <a:r>
+              <a:rPr lang="zh-CN" altLang="en-US" dirty="0" smtClean="0"/>
+              <a:t>监控的准确性和和真实性有待提高</a:t>
+            </a:r>
+            <a:endParaRPr lang="en-US" altLang="zh-CN" dirty="0" smtClean="0"/>
+          </a:p>
+        </p:txBody>
+      </p:sp>
+      <p:sp>
+        <p:nvSpPr>
+          <p:cNvPr id="7" name="TextBox 6"/>
+          <p:cNvSpPr txBox="1"/>
+          <p:nvPr/>
+        </p:nvSpPr>
+        <p:spPr>
+          <a:xfrm>
+            <a:off x="356072" y="2905958"/>
+            <a:ext cx="4968552" cy="400110"/>
+          </a:xfrm>
+          <a:prstGeom prst="rect">
+            <a:avLst/>
+          </a:prstGeom>
+          <a:noFill/>
+        </p:spPr>
+        <p:txBody>
+          <a:bodyPr wrap="square" rtlCol="0">
+            <a:spAutoFit/>
+          </a:bodyPr>
+          <a:lstStyle>
+            <a:defPPr>
+              <a:defRPr lang="zh-CN"/>
+            </a:defPPr>
+            <a:lvl1pPr>
+              <a:defRPr sz="2000" b="1"/>
+            </a:lvl1pPr>
+          </a:lstStyle>
+          <a:p>
+            <a:r>
+              <a:rPr lang="zh-CN" altLang="en-US" dirty="0"/>
+              <a:t>未来的</a:t>
+            </a:r>
+            <a:r>
+              <a:rPr lang="zh-CN" altLang="en-US" dirty="0" smtClean="0"/>
+              <a:t>监控系统</a:t>
+            </a:r>
+            <a:r>
+              <a:rPr lang="en-US" altLang="zh-CN" dirty="0" smtClean="0"/>
+              <a:t>——</a:t>
+            </a:r>
+            <a:r>
+              <a:rPr lang="zh-CN" altLang="en-US" dirty="0" smtClean="0"/>
+              <a:t>无人驾驶网络</a:t>
+            </a:r>
+            <a:endParaRPr lang="zh-CN" altLang="en-US" dirty="0"/>
+          </a:p>
+        </p:txBody>
+      </p:sp>
+      <p:sp>
+        <p:nvSpPr>
+          <p:cNvPr id="8" name="TextBox 7"/>
+          <p:cNvSpPr txBox="1"/>
+          <p:nvPr/>
+        </p:nvSpPr>
+        <p:spPr>
+          <a:xfrm>
+            <a:off x="466180" y="3573016"/>
+            <a:ext cx="7128792" cy="1477328"/>
+          </a:xfrm>
+          <a:prstGeom prst="rect">
+            <a:avLst/>
+          </a:prstGeom>
+          <a:noFill/>
+        </p:spPr>
+        <p:txBody>
+          <a:bodyPr wrap="square" rtlCol="0">
+            <a:spAutoFit/>
+          </a:bodyPr>
+          <a:lstStyle/>
+          <a:p>
+            <a:pPr marL="285750" indent="-285750">
+              <a:buFont typeface="Wingdings" panose="05000000000000000000" pitchFamily="2" charset="2"/>
+              <a:buChar char="Ø"/>
+            </a:pPr>
+            <a:r>
+              <a:rPr lang="zh-CN" altLang="en-US" dirty="0"/>
+              <a:t>完善自愈式监控</a:t>
+            </a:r>
+            <a:r>
+              <a:rPr lang="zh-CN" altLang="en-US" dirty="0" smtClean="0"/>
+              <a:t>体系：监控</a:t>
+            </a:r>
+            <a:r>
+              <a:rPr lang="zh-CN" altLang="en-US" dirty="0"/>
+              <a:t>和报警，总归只能发现问题，出现问题之后依然需要人工干预，未来打造一种自愈系统，各种层级问题，都会被各种自动化</a:t>
+            </a:r>
+            <a:r>
+              <a:rPr lang="zh-CN" altLang="en-US" dirty="0" smtClean="0"/>
+              <a:t>、人工智能</a:t>
+            </a:r>
+            <a:r>
+              <a:rPr lang="zh-CN" altLang="en-US" dirty="0"/>
+              <a:t>、灾备、统缓冲等技术自行修复</a:t>
+            </a:r>
+            <a:r>
+              <a:rPr lang="zh-CN" altLang="en-US" dirty="0" smtClean="0"/>
+              <a:t>。</a:t>
+            </a:r>
+            <a:endParaRPr lang="en-US" altLang="zh-CN" dirty="0" smtClean="0"/>
+          </a:p>
+          <a:p>
+            <a:pPr marL="285750" indent="-285750">
+              <a:buFont typeface="Wingdings" panose="05000000000000000000" pitchFamily="2" charset="2"/>
+              <a:buChar char="Ø"/>
+            </a:pPr>
+            <a:r>
+              <a:rPr lang="zh-CN" altLang="zh-CN" dirty="0"/>
+              <a:t>真实链路式监控：监控和报警的准确性、真实性发展到一个理想化</a:t>
+            </a:r>
+            <a:r>
+              <a:rPr lang="zh-CN" altLang="zh-CN" dirty="0" smtClean="0"/>
+              <a:t>模型</a:t>
+            </a:r>
+            <a:r>
+              <a:rPr lang="zh-CN" altLang="en-US" dirty="0" smtClean="0"/>
+              <a:t>。</a:t>
+            </a:r>
+            <a:endParaRPr lang="zh-CN" altLang="en-US" dirty="0"/>
+          </a:p>
+        </p:txBody>
+      </p:sp>
+      <p:sp>
+        <p:nvSpPr>
+          <p:cNvPr id="9" name="TextBox 8"/>
+          <p:cNvSpPr txBox="1"/>
+          <p:nvPr/>
+        </p:nvSpPr>
+        <p:spPr>
+          <a:xfrm>
+            <a:off x="466862" y="5350430"/>
+            <a:ext cx="7418188" cy="369332"/>
+          </a:xfrm>
+          <a:prstGeom prst="rect">
+            <a:avLst/>
+          </a:prstGeom>
+          <a:noFill/>
+        </p:spPr>
+        <p:txBody>
+          <a:bodyPr wrap="square" rtlCol="0">
+            <a:spAutoFit/>
+          </a:bodyPr>
+          <a:lstStyle/>
+          <a:p>
+            <a:r>
+              <a:rPr lang="en-US" altLang="zh-CN" dirty="0" smtClean="0">
+                <a:solidFill>
+                  <a:srgbClr val="FF0000"/>
+                </a:solidFill>
+              </a:rPr>
+              <a:t>Prometheus</a:t>
+            </a:r>
+            <a:r>
+              <a:rPr lang="zh-CN" altLang="en-US" dirty="0" smtClean="0">
+                <a:solidFill>
+                  <a:srgbClr val="FF0000"/>
+                </a:solidFill>
+              </a:rPr>
+              <a:t>针对未来的监控系统，对于准确性，精确程度贡献力量</a:t>
+            </a:r>
+            <a:endParaRPr lang="zh-CN" altLang="en-US" dirty="0">
+              <a:solidFill>
+                <a:srgbClr val="FF0000"/>
+              </a:solidFill>
+            </a:endParaRPr>
+          </a:p>
+        </p:txBody>
+      </p:sp>
+    </p:spTree>
+    <p:extLst>
+      <p:ext uri="{BB962C8B-B14F-4D97-AF65-F5344CB8AC3E}">
+        <p14:creationId xmlns:p14="http://schemas.microsoft.com/office/powerpoint/2010/main" val="2042063564"/>
+      </p:ext>
+    </p:extLst>
+  </p:cSld>
+  <p:clrMapOvr>
+    <a:masterClrMapping/>
+  </p:clrMapOvr>
 </p:sld>
 </file>
 
@@ -5790,6 +6131,13 @@
   <p:clrMapOvr>
     <a:masterClrMapping/>
   </p:clrMapOvr>
+  <p:timing>
+    <p:tnLst>
+      <p:par>
+        <p:cTn id="1" dur="indefinite" restart="never" nodeType="tmRoot"/>
+      </p:par>
+    </p:tnLst>
+  </p:timing>
 </p:sld>
 </file>
 
@@ -6138,11 +6486,7 @@
             </a:r>
             <a:r>
               <a:rPr lang="zh-CN" altLang="en-US" sz="2400" dirty="0" smtClean="0"/>
-              <a:t>语句，自带图形界面，可视化采集的数据</a:t>
-            </a:r>
-            <a:r>
-              <a:rPr lang="zh-CN" altLang="en-US" sz="2400" dirty="0" smtClean="0"/>
-              <a:t>。</a:t>
+              <a:t>语句，自带图形界面，可视化采集的数据。</a:t>
             </a:r>
             <a:endParaRPr lang="zh-CN" altLang="en-US" sz="2400" dirty="0"/>
           </a:p>
@@ -6192,6 +6536,25 @@
   <p:clrMapOvr>
     <a:masterClrMapping/>
   </p:clrMapOvr>
+  <mc:AlternateContent xmlns:mc="http://schemas.openxmlformats.org/markup-compatibility/2006">
+    <mc:Choice xmlns:p14="http://schemas.microsoft.com/office/powerpoint/2010/main" Requires="p14">
+      <p:transition spd="slow" p14:dur="3400">
+        <p14:reveal/>
+      </p:transition>
+    </mc:Choice>
+    <mc:Fallback>
+      <p:transition spd="slow">
+        <p:fade/>
+      </p:transition>
+    </mc:Fallback>
+  </mc:AlternateContent>
+  <p:timing>
+    <p:tnLst>
+      <p:par>
+        <p:cTn id="1" dur="indefinite" restart="never" nodeType="tmRoot"/>
+      </p:par>
+    </p:tnLst>
+  </p:timing>
 </p:sld>
 </file>
 
@@ -6539,8 +6902,12 @@
               <a:buChar char="Ø"/>
             </a:pPr>
             <a:r>
+              <a:rPr lang="zh-CN" altLang="en-US" sz="2400" dirty="0" smtClean="0"/>
+              <a:t>提供插件来</a:t>
+            </a:r>
+            <a:r>
               <a:rPr lang="zh-CN" altLang="en-US" sz="2400" dirty="0"/>
-              <a:t>提供许多导出器来收集常见的系统</a:t>
+              <a:t>收集常见的系统</a:t>
             </a:r>
             <a:r>
               <a:rPr lang="zh-CN" altLang="en-US" sz="2400" dirty="0" smtClean="0"/>
@@ -7082,7 +7449,7 @@
         <p:spPr>
           <a:xfrm>
             <a:off x="438221" y="5493425"/>
-            <a:ext cx="7704855" cy="461665"/>
+            <a:ext cx="7704855" cy="830997"/>
           </a:xfrm>
           <a:prstGeom prst="rect">
             <a:avLst/>
@@ -7108,12 +7475,16 @@
               <a:t>：主要通过</a:t>
             </a:r>
             <a:r>
-              <a:rPr lang="en-US" altLang="zh-CN" sz="2400" dirty="0"/>
+              <a:rPr lang="en-US" altLang="zh-CN" sz="2400" dirty="0" smtClean="0"/>
               <a:t>grafana</a:t>
             </a:r>
             <a:r>
+              <a:rPr lang="zh-CN" altLang="en-US" sz="2400" dirty="0" smtClean="0"/>
+              <a:t>（绘图工具）来</a:t>
+            </a:r>
+            <a:r>
               <a:rPr lang="zh-CN" altLang="en-US" sz="2400" dirty="0"/>
-              <a:t>来实现</a:t>
+              <a:t>实现</a:t>
             </a:r>
             <a:r>
               <a:rPr lang="en-US" altLang="zh-CN" sz="2400" dirty="0"/>
@@ -7378,15 +7749,15 @@
             </a:r>
             <a:r>
               <a:rPr lang="zh-CN" altLang="en-US" sz="2400" dirty="0" smtClean="0"/>
-              <a:t>数据，</a:t>
+              <a:t>数据，需要定时拉</a:t>
             </a:r>
             <a:r>
               <a:rPr lang="zh-CN" altLang="en-US" sz="2400" dirty="0" smtClean="0"/>
-              <a:t>需要定时拉取。</a:t>
+              <a:t>取，对于执行脚本获取的数据</a:t>
             </a:r>
             <a:r>
               <a:rPr lang="zh-CN" altLang="en-US" sz="2400" dirty="0"/>
-              <a:t>但是有些数据并不适合采用这样的方式，对这样的数据可以使用</a:t>
+              <a:t>并不适合采用这样的方式，对这样的数据可以使用</a:t>
             </a:r>
             <a:r>
               <a:rPr lang="en-US" altLang="zh-CN" sz="2400" dirty="0"/>
@@ -7398,23 +7769,19 @@
             </a:r>
             <a:r>
               <a:rPr lang="zh-CN" altLang="en-US" sz="2400" dirty="0" smtClean="0"/>
-              <a:t>，主动推送</a:t>
+              <a:t>，</a:t>
+            </a:r>
+            <a:r>
+              <a:rPr lang="zh-CN" altLang="en-US" sz="2400" dirty="0"/>
+              <a:t>供</a:t>
             </a:r>
             <a:r>
               <a:rPr lang="en-US" altLang="zh-CN" sz="2400" dirty="0" smtClean="0"/>
-              <a:t>push</a:t>
+              <a:t>Prometheus</a:t>
             </a:r>
             <a:r>
               <a:rPr lang="zh-CN" altLang="en-US" sz="2400" dirty="0" smtClean="0"/>
-              <a:t>到</a:t>
-            </a:r>
-            <a:r>
-              <a:rPr lang="en-US" altLang="zh-CN" sz="2400" dirty="0"/>
-              <a:t>Prometheus</a:t>
-            </a:r>
-            <a:r>
-              <a:rPr lang="zh-CN" altLang="en-US" sz="2400" dirty="0" smtClean="0"/>
-              <a:t>。</a:t>
+              <a:t>拉取。</a:t>
             </a:r>
             <a:endParaRPr lang="zh-CN" altLang="en-US" sz="2400" dirty="0"/>
           </a:p>
